--- a/Recap/Recap_ARM_Cortex_PirminHerger_RaphaelKissling.pptx
+++ b/Recap/Recap_ARM_Cortex_PirminHerger_RaphaelKissling.pptx
@@ -6,6 +6,19 @@
   </p:sldMasterIdLst>
   <p:sldIdLst>
     <p:sldId id="256" r:id="rId2"/>
+    <p:sldId id="257" r:id="rId3"/>
+    <p:sldId id="258" r:id="rId4"/>
+    <p:sldId id="259" r:id="rId5"/>
+    <p:sldId id="260" r:id="rId6"/>
+    <p:sldId id="261" r:id="rId7"/>
+    <p:sldId id="262" r:id="rId8"/>
+    <p:sldId id="263" r:id="rId9"/>
+    <p:sldId id="264" r:id="rId10"/>
+    <p:sldId id="265" r:id="rId11"/>
+    <p:sldId id="266" r:id="rId12"/>
+    <p:sldId id="267" r:id="rId13"/>
+    <p:sldId id="268" r:id="rId14"/>
+    <p:sldId id="270" r:id="rId15"/>
   </p:sldIdLst>
   <p:sldSz cx="12192000" cy="6858000"/>
   <p:notesSz cx="6858000" cy="9144000"/>
@@ -104,6 +117,11 @@
       </a:defRPr>
     </a:lvl9pPr>
   </p:defaultTextStyle>
+  <p:extLst>
+    <p:ext uri="{EFAFB233-063F-42B5-8137-9DF3F51BA10A}">
+      <p15:sldGuideLst xmlns:p15="http://schemas.microsoft.com/office/powerpoint/2012/main"/>
+    </p:ext>
+  </p:extLst>
 </p:presentation>
 </file>
 
@@ -164,7 +182,7 @@
           <a:noFill/>
           <a:extLst>
             <a:ext uri="{909E8E84-426E-40dd-AFC4-6F175D3DCCD1}">
-              <a14:hiddenFill xmlns:a14="http://schemas.microsoft.com/office/drawing/2010/main" xmlns="">
+              <a14:hiddenFill xmlns="" xmlns:a14="http://schemas.microsoft.com/office/drawing/2010/main">
                 <a:solidFill>
                   <a:srgbClr val="FFFFFF"/>
                 </a:solidFill>
@@ -223,7 +241,7 @@
             </a:ln>
             <a:extLst>
               <a:ext uri="{91240B29-F687-4f45-9708-019B960494DF}">
-                <a14:hiddenLine xmlns:a14="http://schemas.microsoft.com/office/drawing/2010/main" xmlns="" w="9525">
+                <a14:hiddenLine xmlns="" xmlns:a14="http://schemas.microsoft.com/office/drawing/2010/main" w="9525">
                   <a:solidFill>
                     <a:srgbClr val="000000"/>
                   </a:solidFill>
@@ -313,7 +331,7 @@
             </a:ln>
             <a:extLst>
               <a:ext uri="{91240B29-F687-4f45-9708-019B960494DF}">
-                <a14:hiddenLine xmlns:a14="http://schemas.microsoft.com/office/drawing/2010/main" xmlns="" w="9525">
+                <a14:hiddenLine xmlns="" xmlns:a14="http://schemas.microsoft.com/office/drawing/2010/main" w="9525">
                   <a:solidFill>
                     <a:srgbClr val="000000"/>
                   </a:solidFill>
@@ -403,7 +421,7 @@
             </a:ln>
             <a:extLst>
               <a:ext uri="{91240B29-F687-4f45-9708-019B960494DF}">
-                <a14:hiddenLine xmlns:a14="http://schemas.microsoft.com/office/drawing/2010/main" xmlns="" w="9525">
+                <a14:hiddenLine xmlns="" xmlns:a14="http://schemas.microsoft.com/office/drawing/2010/main" w="9525">
                   <a:solidFill>
                     <a:srgbClr val="000000"/>
                   </a:solidFill>
@@ -437,7 +455,7 @@
             </a:ln>
             <a:extLst>
               <a:ext uri="{91240B29-F687-4f45-9708-019B960494DF}">
-                <a14:hiddenLine xmlns:a14="http://schemas.microsoft.com/office/drawing/2010/main" xmlns="" w="9525">
+                <a14:hiddenLine xmlns="" xmlns:a14="http://schemas.microsoft.com/office/drawing/2010/main" w="9525">
                   <a:solidFill>
                     <a:srgbClr val="000000"/>
                   </a:solidFill>
@@ -527,7 +545,7 @@
             </a:ln>
             <a:extLst>
               <a:ext uri="{91240B29-F687-4f45-9708-019B960494DF}">
-                <a14:hiddenLine xmlns:a14="http://schemas.microsoft.com/office/drawing/2010/main" xmlns="" w="9525">
+                <a14:hiddenLine xmlns="" xmlns:a14="http://schemas.microsoft.com/office/drawing/2010/main" w="9525">
                   <a:solidFill>
                     <a:srgbClr val="000000"/>
                   </a:solidFill>
@@ -589,7 +607,7 @@
             </a:ln>
             <a:extLst>
               <a:ext uri="{91240B29-F687-4f45-9708-019B960494DF}">
-                <a14:hiddenLine xmlns:a14="http://schemas.microsoft.com/office/drawing/2010/main" xmlns="" w="9525">
+                <a14:hiddenLine xmlns="" xmlns:a14="http://schemas.microsoft.com/office/drawing/2010/main" w="9525">
                   <a:solidFill>
                     <a:srgbClr val="000000"/>
                   </a:solidFill>
@@ -651,7 +669,7 @@
             </a:ln>
             <a:extLst>
               <a:ext uri="{91240B29-F687-4f45-9708-019B960494DF}">
-                <a14:hiddenLine xmlns:a14="http://schemas.microsoft.com/office/drawing/2010/main" xmlns="" w="9525">
+                <a14:hiddenLine xmlns="" xmlns:a14="http://schemas.microsoft.com/office/drawing/2010/main" w="9525">
                   <a:solidFill>
                     <a:srgbClr val="000000"/>
                   </a:solidFill>
@@ -741,7 +759,7 @@
             </a:ln>
             <a:extLst>
               <a:ext uri="{91240B29-F687-4f45-9708-019B960494DF}">
-                <a14:hiddenLine xmlns:a14="http://schemas.microsoft.com/office/drawing/2010/main" xmlns="" w="9525">
+                <a14:hiddenLine xmlns="" xmlns:a14="http://schemas.microsoft.com/office/drawing/2010/main" w="9525">
                   <a:solidFill>
                     <a:srgbClr val="000000"/>
                   </a:solidFill>
@@ -803,7 +821,7 @@
             </a:ln>
             <a:extLst>
               <a:ext uri="{91240B29-F687-4f45-9708-019B960494DF}">
-                <a14:hiddenLine xmlns:a14="http://schemas.microsoft.com/office/drawing/2010/main" xmlns="" w="9525">
+                <a14:hiddenLine xmlns="" xmlns:a14="http://schemas.microsoft.com/office/drawing/2010/main" w="9525">
                   <a:solidFill>
                     <a:srgbClr val="000000"/>
                   </a:solidFill>
@@ -865,7 +883,7 @@
             </a:ln>
             <a:extLst>
               <a:ext uri="{91240B29-F687-4f45-9708-019B960494DF}">
-                <a14:hiddenLine xmlns:a14="http://schemas.microsoft.com/office/drawing/2010/main" xmlns="" w="9525">
+                <a14:hiddenLine xmlns="" xmlns:a14="http://schemas.microsoft.com/office/drawing/2010/main" w="9525">
                   <a:solidFill>
                     <a:srgbClr val="000000"/>
                   </a:solidFill>
@@ -955,7 +973,7 @@
             </a:ln>
             <a:extLst>
               <a:ext uri="{91240B29-F687-4f45-9708-019B960494DF}">
-                <a14:hiddenLine xmlns:a14="http://schemas.microsoft.com/office/drawing/2010/main" xmlns="" w="9525">
+                <a14:hiddenLine xmlns="" xmlns:a14="http://schemas.microsoft.com/office/drawing/2010/main" w="9525">
                   <a:solidFill>
                     <a:srgbClr val="000000"/>
                   </a:solidFill>
@@ -1045,7 +1063,7 @@
             </a:ln>
             <a:extLst>
               <a:ext uri="{91240B29-F687-4f45-9708-019B960494DF}">
-                <a14:hiddenLine xmlns:a14="http://schemas.microsoft.com/office/drawing/2010/main" xmlns="" w="9525">
+                <a14:hiddenLine xmlns="" xmlns:a14="http://schemas.microsoft.com/office/drawing/2010/main" w="9525">
                   <a:solidFill>
                     <a:srgbClr val="000000"/>
                   </a:solidFill>
@@ -1107,7 +1125,7 @@
             </a:ln>
             <a:extLst>
               <a:ext uri="{91240B29-F687-4f45-9708-019B960494DF}">
-                <a14:hiddenLine xmlns:a14="http://schemas.microsoft.com/office/drawing/2010/main" xmlns="" w="9525">
+                <a14:hiddenLine xmlns="" xmlns:a14="http://schemas.microsoft.com/office/drawing/2010/main" w="9525">
                   <a:solidFill>
                     <a:srgbClr val="000000"/>
                   </a:solidFill>
@@ -1217,7 +1235,7 @@
             </a:ln>
             <a:extLst>
               <a:ext uri="{91240B29-F687-4f45-9708-019B960494DF}">
-                <a14:hiddenLine xmlns:a14="http://schemas.microsoft.com/office/drawing/2010/main" xmlns="" w="9525">
+                <a14:hiddenLine xmlns="" xmlns:a14="http://schemas.microsoft.com/office/drawing/2010/main" w="9525">
                   <a:solidFill>
                     <a:srgbClr val="000000"/>
                   </a:solidFill>
@@ -1279,7 +1297,7 @@
             </a:ln>
             <a:extLst>
               <a:ext uri="{91240B29-F687-4f45-9708-019B960494DF}">
-                <a14:hiddenLine xmlns:a14="http://schemas.microsoft.com/office/drawing/2010/main" xmlns="" w="9525">
+                <a14:hiddenLine xmlns="" xmlns:a14="http://schemas.microsoft.com/office/drawing/2010/main" w="9525">
                   <a:solidFill>
                     <a:srgbClr val="000000"/>
                   </a:solidFill>
@@ -1369,7 +1387,7 @@
             </a:ln>
             <a:extLst>
               <a:ext uri="{91240B29-F687-4f45-9708-019B960494DF}">
-                <a14:hiddenLine xmlns:a14="http://schemas.microsoft.com/office/drawing/2010/main" xmlns="" w="9525">
+                <a14:hiddenLine xmlns="" xmlns:a14="http://schemas.microsoft.com/office/drawing/2010/main" w="9525">
                   <a:solidFill>
                     <a:srgbClr val="000000"/>
                   </a:solidFill>
@@ -1459,7 +1477,7 @@
             </a:ln>
             <a:extLst>
               <a:ext uri="{91240B29-F687-4f45-9708-019B960494DF}">
-                <a14:hiddenLine xmlns:a14="http://schemas.microsoft.com/office/drawing/2010/main" xmlns="" w="9525">
+                <a14:hiddenLine xmlns="" xmlns:a14="http://schemas.microsoft.com/office/drawing/2010/main" w="9525">
                   <a:solidFill>
                     <a:srgbClr val="000000"/>
                   </a:solidFill>
@@ -1521,7 +1539,7 @@
             </a:ln>
             <a:extLst>
               <a:ext uri="{91240B29-F687-4f45-9708-019B960494DF}">
-                <a14:hiddenLine xmlns:a14="http://schemas.microsoft.com/office/drawing/2010/main" xmlns="" w="9525">
+                <a14:hiddenLine xmlns="" xmlns:a14="http://schemas.microsoft.com/office/drawing/2010/main" w="9525">
                   <a:solidFill>
                     <a:srgbClr val="000000"/>
                   </a:solidFill>
@@ -1611,7 +1629,7 @@
             </a:ln>
             <a:extLst>
               <a:ext uri="{91240B29-F687-4f45-9708-019B960494DF}">
-                <a14:hiddenLine xmlns:a14="http://schemas.microsoft.com/office/drawing/2010/main" xmlns="" w="9525">
+                <a14:hiddenLine xmlns="" xmlns:a14="http://schemas.microsoft.com/office/drawing/2010/main" w="9525">
                   <a:solidFill>
                     <a:srgbClr val="000000"/>
                   </a:solidFill>
@@ -1701,7 +1719,7 @@
             </a:ln>
             <a:extLst>
               <a:ext uri="{91240B29-F687-4f45-9708-019B960494DF}">
-                <a14:hiddenLine xmlns:a14="http://schemas.microsoft.com/office/drawing/2010/main" xmlns="" w="9525">
+                <a14:hiddenLine xmlns="" xmlns:a14="http://schemas.microsoft.com/office/drawing/2010/main" w="9525">
                   <a:solidFill>
                     <a:srgbClr val="000000"/>
                   </a:solidFill>
@@ -1757,7 +1775,7 @@
             </a:ln>
             <a:extLst>
               <a:ext uri="{91240B29-F687-4f45-9708-019B960494DF}">
-                <a14:hiddenLine xmlns:a14="http://schemas.microsoft.com/office/drawing/2010/main" xmlns="" w="9525">
+                <a14:hiddenLine xmlns="" xmlns:a14="http://schemas.microsoft.com/office/drawing/2010/main" w="9525">
                   <a:solidFill>
                     <a:srgbClr val="000000"/>
                   </a:solidFill>
@@ -1847,7 +1865,7 @@
             </a:ln>
             <a:extLst>
               <a:ext uri="{91240B29-F687-4f45-9708-019B960494DF}">
-                <a14:hiddenLine xmlns:a14="http://schemas.microsoft.com/office/drawing/2010/main" xmlns="" w="9525">
+                <a14:hiddenLine xmlns="" xmlns:a14="http://schemas.microsoft.com/office/drawing/2010/main" w="9525">
                   <a:solidFill>
                     <a:srgbClr val="000000"/>
                   </a:solidFill>
@@ -1903,7 +1921,7 @@
             </a:ln>
             <a:extLst>
               <a:ext uri="{91240B29-F687-4f45-9708-019B960494DF}">
-                <a14:hiddenLine xmlns:a14="http://schemas.microsoft.com/office/drawing/2010/main" xmlns="" w="9525">
+                <a14:hiddenLine xmlns="" xmlns:a14="http://schemas.microsoft.com/office/drawing/2010/main" w="9525">
                   <a:solidFill>
                     <a:srgbClr val="000000"/>
                   </a:solidFill>
@@ -1993,7 +2011,7 @@
             </a:ln>
             <a:extLst>
               <a:ext uri="{91240B29-F687-4f45-9708-019B960494DF}">
-                <a14:hiddenLine xmlns:a14="http://schemas.microsoft.com/office/drawing/2010/main" xmlns="" w="9525">
+                <a14:hiddenLine xmlns="" xmlns:a14="http://schemas.microsoft.com/office/drawing/2010/main" w="9525">
                   <a:solidFill>
                     <a:srgbClr val="000000"/>
                   </a:solidFill>
@@ -2061,7 +2079,7 @@
             </a:ln>
             <a:extLst>
               <a:ext uri="{91240B29-F687-4f45-9708-019B960494DF}">
-                <a14:hiddenLine xmlns:a14="http://schemas.microsoft.com/office/drawing/2010/main" xmlns="" w="9525">
+                <a14:hiddenLine xmlns="" xmlns:a14="http://schemas.microsoft.com/office/drawing/2010/main" w="9525">
                   <a:solidFill>
                     <a:srgbClr val="000000"/>
                   </a:solidFill>
@@ -2151,7 +2169,7 @@
             </a:ln>
             <a:extLst>
               <a:ext uri="{91240B29-F687-4f45-9708-019B960494DF}">
-                <a14:hiddenLine xmlns:a14="http://schemas.microsoft.com/office/drawing/2010/main" xmlns="" w="9525">
+                <a14:hiddenLine xmlns="" xmlns:a14="http://schemas.microsoft.com/office/drawing/2010/main" w="9525">
                   <a:solidFill>
                     <a:srgbClr val="000000"/>
                   </a:solidFill>
@@ -2219,7 +2237,7 @@
             </a:ln>
             <a:extLst>
               <a:ext uri="{91240B29-F687-4f45-9708-019B960494DF}">
-                <a14:hiddenLine xmlns:a14="http://schemas.microsoft.com/office/drawing/2010/main" xmlns="" w="9525">
+                <a14:hiddenLine xmlns="" xmlns:a14="http://schemas.microsoft.com/office/drawing/2010/main" w="9525">
                   <a:solidFill>
                     <a:srgbClr val="000000"/>
                   </a:solidFill>
@@ -2309,7 +2327,7 @@
             </a:ln>
             <a:extLst>
               <a:ext uri="{91240B29-F687-4f45-9708-019B960494DF}">
-                <a14:hiddenLine xmlns:a14="http://schemas.microsoft.com/office/drawing/2010/main" xmlns="" w="9525">
+                <a14:hiddenLine xmlns="" xmlns:a14="http://schemas.microsoft.com/office/drawing/2010/main" w="9525">
                   <a:solidFill>
                     <a:srgbClr val="000000"/>
                   </a:solidFill>
@@ -2343,7 +2361,7 @@
             </a:ln>
             <a:extLst>
               <a:ext uri="{91240B29-F687-4f45-9708-019B960494DF}">
-                <a14:hiddenLine xmlns:a14="http://schemas.microsoft.com/office/drawing/2010/main" xmlns="" w="9525">
+                <a14:hiddenLine xmlns="" xmlns:a14="http://schemas.microsoft.com/office/drawing/2010/main" w="9525">
                   <a:solidFill>
                     <a:srgbClr val="000000"/>
                   </a:solidFill>
@@ -2433,7 +2451,7 @@
             </a:ln>
             <a:extLst>
               <a:ext uri="{91240B29-F687-4f45-9708-019B960494DF}">
-                <a14:hiddenLine xmlns:a14="http://schemas.microsoft.com/office/drawing/2010/main" xmlns="" w="9525">
+                <a14:hiddenLine xmlns="" xmlns:a14="http://schemas.microsoft.com/office/drawing/2010/main" w="9525">
                   <a:solidFill>
                     <a:srgbClr val="000000"/>
                   </a:solidFill>
@@ -2495,7 +2513,7 @@
             </a:ln>
             <a:extLst>
               <a:ext uri="{91240B29-F687-4f45-9708-019B960494DF}">
-                <a14:hiddenLine xmlns:a14="http://schemas.microsoft.com/office/drawing/2010/main" xmlns="" w="9525">
+                <a14:hiddenLine xmlns="" xmlns:a14="http://schemas.microsoft.com/office/drawing/2010/main" w="9525">
                   <a:solidFill>
                     <a:srgbClr val="000000"/>
                   </a:solidFill>
@@ -2557,7 +2575,7 @@
             </a:ln>
             <a:extLst>
               <a:ext uri="{91240B29-F687-4f45-9708-019B960494DF}">
-                <a14:hiddenLine xmlns:a14="http://schemas.microsoft.com/office/drawing/2010/main" xmlns="" w="9525">
+                <a14:hiddenLine xmlns="" xmlns:a14="http://schemas.microsoft.com/office/drawing/2010/main" w="9525">
                   <a:solidFill>
                     <a:srgbClr val="000000"/>
                   </a:solidFill>
@@ -2647,7 +2665,7 @@
             </a:ln>
             <a:extLst>
               <a:ext uri="{91240B29-F687-4f45-9708-019B960494DF}">
-                <a14:hiddenLine xmlns:a14="http://schemas.microsoft.com/office/drawing/2010/main" xmlns="" w="9525">
+                <a14:hiddenLine xmlns="" xmlns:a14="http://schemas.microsoft.com/office/drawing/2010/main" w="9525">
                   <a:solidFill>
                     <a:srgbClr val="000000"/>
                   </a:solidFill>
@@ -2715,7 +2733,7 @@
             </a:ln>
             <a:extLst>
               <a:ext uri="{91240B29-F687-4f45-9708-019B960494DF}">
-                <a14:hiddenLine xmlns:a14="http://schemas.microsoft.com/office/drawing/2010/main" xmlns="" w="9525">
+                <a14:hiddenLine xmlns="" xmlns:a14="http://schemas.microsoft.com/office/drawing/2010/main" w="9525">
                   <a:solidFill>
                     <a:srgbClr val="000000"/>
                   </a:solidFill>
@@ -2777,7 +2795,7 @@
             </a:ln>
             <a:extLst>
               <a:ext uri="{91240B29-F687-4f45-9708-019B960494DF}">
-                <a14:hiddenLine xmlns:a14="http://schemas.microsoft.com/office/drawing/2010/main" xmlns="" w="9525">
+                <a14:hiddenLine xmlns="" xmlns:a14="http://schemas.microsoft.com/office/drawing/2010/main" w="9525">
                   <a:solidFill>
                     <a:srgbClr val="000000"/>
                   </a:solidFill>
@@ -2867,7 +2885,7 @@
             </a:ln>
             <a:extLst>
               <a:ext uri="{91240B29-F687-4f45-9708-019B960494DF}">
-                <a14:hiddenLine xmlns:a14="http://schemas.microsoft.com/office/drawing/2010/main" xmlns="" w="9525">
+                <a14:hiddenLine xmlns="" xmlns:a14="http://schemas.microsoft.com/office/drawing/2010/main" w="9525">
                   <a:solidFill>
                     <a:srgbClr val="000000"/>
                   </a:solidFill>
@@ -2929,7 +2947,7 @@
             </a:ln>
             <a:extLst>
               <a:ext uri="{91240B29-F687-4f45-9708-019B960494DF}">
-                <a14:hiddenLine xmlns:a14="http://schemas.microsoft.com/office/drawing/2010/main" xmlns="" w="9525">
+                <a14:hiddenLine xmlns="" xmlns:a14="http://schemas.microsoft.com/office/drawing/2010/main" w="9525">
                   <a:solidFill>
                     <a:srgbClr val="000000"/>
                   </a:solidFill>
@@ -3019,7 +3037,7 @@
             </a:ln>
             <a:extLst>
               <a:ext uri="{91240B29-F687-4f45-9708-019B960494DF}">
-                <a14:hiddenLine xmlns:a14="http://schemas.microsoft.com/office/drawing/2010/main" xmlns="" w="9525">
+                <a14:hiddenLine xmlns="" xmlns:a14="http://schemas.microsoft.com/office/drawing/2010/main" w="9525">
                   <a:solidFill>
                     <a:srgbClr val="000000"/>
                   </a:solidFill>
@@ -3081,7 +3099,7 @@
             </a:ln>
             <a:extLst>
               <a:ext uri="{91240B29-F687-4f45-9708-019B960494DF}">
-                <a14:hiddenLine xmlns:a14="http://schemas.microsoft.com/office/drawing/2010/main" xmlns="" w="9525">
+                <a14:hiddenLine xmlns="" xmlns:a14="http://schemas.microsoft.com/office/drawing/2010/main" w="9525">
                   <a:solidFill>
                     <a:srgbClr val="000000"/>
                   </a:solidFill>
@@ -3171,7 +3189,7 @@
             </a:ln>
             <a:extLst>
               <a:ext uri="{91240B29-F687-4f45-9708-019B960494DF}">
-                <a14:hiddenLine xmlns:a14="http://schemas.microsoft.com/office/drawing/2010/main" xmlns="" w="9525">
+                <a14:hiddenLine xmlns="" xmlns:a14="http://schemas.microsoft.com/office/drawing/2010/main" w="9525">
                   <a:solidFill>
                     <a:srgbClr val="000000"/>
                   </a:solidFill>
@@ -3205,7 +3223,7 @@
             </a:ln>
             <a:extLst>
               <a:ext uri="{91240B29-F687-4f45-9708-019B960494DF}">
-                <a14:hiddenLine xmlns:a14="http://schemas.microsoft.com/office/drawing/2010/main" xmlns="" w="9525">
+                <a14:hiddenLine xmlns="" xmlns:a14="http://schemas.microsoft.com/office/drawing/2010/main" w="9525">
                   <a:solidFill>
                     <a:srgbClr val="000000"/>
                   </a:solidFill>
@@ -3270,7 +3288,7 @@
             </a:ln>
             <a:extLst>
               <a:ext uri="{91240B29-F687-4f45-9708-019B960494DF}">
-                <a14:hiddenLine xmlns:a14="http://schemas.microsoft.com/office/drawing/2010/main" xmlns="" w="9525">
+                <a14:hiddenLine xmlns="" xmlns:a14="http://schemas.microsoft.com/office/drawing/2010/main" w="9525">
                   <a:solidFill>
                     <a:srgbClr val="000000"/>
                   </a:solidFill>
@@ -3360,7 +3378,7 @@
             </a:ln>
             <a:extLst>
               <a:ext uri="{91240B29-F687-4f45-9708-019B960494DF}">
-                <a14:hiddenLine xmlns:a14="http://schemas.microsoft.com/office/drawing/2010/main" xmlns="" w="9525">
+                <a14:hiddenLine xmlns="" xmlns:a14="http://schemas.microsoft.com/office/drawing/2010/main" w="9525">
                   <a:solidFill>
                     <a:srgbClr val="000000"/>
                   </a:solidFill>
@@ -3422,7 +3440,7 @@
             </a:ln>
             <a:extLst>
               <a:ext uri="{91240B29-F687-4f45-9708-019B960494DF}">
-                <a14:hiddenLine xmlns:a14="http://schemas.microsoft.com/office/drawing/2010/main" xmlns="" w="9525">
+                <a14:hiddenLine xmlns="" xmlns:a14="http://schemas.microsoft.com/office/drawing/2010/main" w="9525">
                   <a:solidFill>
                     <a:srgbClr val="000000"/>
                   </a:solidFill>
@@ -3512,7 +3530,7 @@
             </a:ln>
             <a:extLst>
               <a:ext uri="{91240B29-F687-4f45-9708-019B960494DF}">
-                <a14:hiddenLine xmlns:a14="http://schemas.microsoft.com/office/drawing/2010/main" xmlns="" w="9525">
+                <a14:hiddenLine xmlns="" xmlns:a14="http://schemas.microsoft.com/office/drawing/2010/main" w="9525">
                   <a:solidFill>
                     <a:srgbClr val="000000"/>
                   </a:solidFill>
@@ -3602,7 +3620,7 @@
             </a:ln>
             <a:extLst>
               <a:ext uri="{91240B29-F687-4f45-9708-019B960494DF}">
-                <a14:hiddenLine xmlns:a14="http://schemas.microsoft.com/office/drawing/2010/main" xmlns="" w="9525">
+                <a14:hiddenLine xmlns="" xmlns:a14="http://schemas.microsoft.com/office/drawing/2010/main" w="9525">
                   <a:solidFill>
                     <a:srgbClr val="000000"/>
                   </a:solidFill>
@@ -3667,7 +3685,7 @@
             </a:ln>
             <a:extLst>
               <a:ext uri="{91240B29-F687-4f45-9708-019B960494DF}">
-                <a14:hiddenLine xmlns:a14="http://schemas.microsoft.com/office/drawing/2010/main" xmlns="" w="9525">
+                <a14:hiddenLine xmlns="" xmlns:a14="http://schemas.microsoft.com/office/drawing/2010/main" w="9525">
                   <a:solidFill>
                     <a:srgbClr val="000000"/>
                   </a:solidFill>
@@ -3729,7 +3747,7 @@
             </a:ln>
             <a:extLst>
               <a:ext uri="{91240B29-F687-4f45-9708-019B960494DF}">
-                <a14:hiddenLine xmlns:a14="http://schemas.microsoft.com/office/drawing/2010/main" xmlns="" w="9525">
+                <a14:hiddenLine xmlns="" xmlns:a14="http://schemas.microsoft.com/office/drawing/2010/main" w="9525">
                   <a:solidFill>
                     <a:srgbClr val="000000"/>
                   </a:solidFill>
@@ -3819,7 +3837,7 @@
             </a:ln>
             <a:extLst>
               <a:ext uri="{91240B29-F687-4f45-9708-019B960494DF}">
-                <a14:hiddenLine xmlns:a14="http://schemas.microsoft.com/office/drawing/2010/main" xmlns="" w="9525">
+                <a14:hiddenLine xmlns="" xmlns:a14="http://schemas.microsoft.com/office/drawing/2010/main" w="9525">
                   <a:solidFill>
                     <a:srgbClr val="000000"/>
                   </a:solidFill>
@@ -3909,7 +3927,7 @@
             </a:ln>
             <a:extLst>
               <a:ext uri="{91240B29-F687-4f45-9708-019B960494DF}">
-                <a14:hiddenLine xmlns:a14="http://schemas.microsoft.com/office/drawing/2010/main" xmlns="" w="9525">
+                <a14:hiddenLine xmlns="" xmlns:a14="http://schemas.microsoft.com/office/drawing/2010/main" w="9525">
                   <a:solidFill>
                     <a:srgbClr val="000000"/>
                   </a:solidFill>
@@ -3971,7 +3989,7 @@
             </a:ln>
             <a:extLst>
               <a:ext uri="{91240B29-F687-4f45-9708-019B960494DF}">
-                <a14:hiddenLine xmlns:a14="http://schemas.microsoft.com/office/drawing/2010/main" xmlns="" w="9525">
+                <a14:hiddenLine xmlns="" xmlns:a14="http://schemas.microsoft.com/office/drawing/2010/main" w="9525">
                   <a:solidFill>
                     <a:srgbClr val="000000"/>
                   </a:solidFill>
@@ -4091,7 +4109,7 @@
             </a:ln>
             <a:extLst>
               <a:ext uri="{91240B29-F687-4f45-9708-019B960494DF}">
-                <a14:hiddenLine xmlns:a14="http://schemas.microsoft.com/office/drawing/2010/main" xmlns="" w="9525">
+                <a14:hiddenLine xmlns="" xmlns:a14="http://schemas.microsoft.com/office/drawing/2010/main" w="9525">
                   <a:solidFill>
                     <a:srgbClr val="000000"/>
                   </a:solidFill>
@@ -4159,7 +4177,7 @@
             </a:ln>
             <a:extLst>
               <a:ext uri="{91240B29-F687-4f45-9708-019B960494DF}">
-                <a14:hiddenLine xmlns:a14="http://schemas.microsoft.com/office/drawing/2010/main" xmlns="" w="9525">
+                <a14:hiddenLine xmlns="" xmlns:a14="http://schemas.microsoft.com/office/drawing/2010/main" w="9525">
                   <a:solidFill>
                     <a:srgbClr val="000000"/>
                   </a:solidFill>
@@ -4249,7 +4267,7 @@
             </a:ln>
             <a:extLst>
               <a:ext uri="{91240B29-F687-4f45-9708-019B960494DF}">
-                <a14:hiddenLine xmlns:a14="http://schemas.microsoft.com/office/drawing/2010/main" xmlns="" w="9525">
+                <a14:hiddenLine xmlns="" xmlns:a14="http://schemas.microsoft.com/office/drawing/2010/main" w="9525">
                   <a:solidFill>
                     <a:srgbClr val="000000"/>
                   </a:solidFill>
@@ -8978,7 +8996,7 @@
           <a:noFill/>
           <a:extLst>
             <a:ext uri="{909E8E84-426E-40dd-AFC4-6F175D3DCCD1}">
-              <a14:hiddenFill xmlns:a14="http://schemas.microsoft.com/office/drawing/2010/main" xmlns="">
+              <a14:hiddenFill xmlns="" xmlns:a14="http://schemas.microsoft.com/office/drawing/2010/main">
                 <a:solidFill>
                   <a:srgbClr val="FFFFFF"/>
                 </a:solidFill>
@@ -9052,7 +9070,7 @@
               </a:ln>
               <a:extLst>
                 <a:ext uri="{91240B29-F687-4f45-9708-019B960494DF}">
-                  <a14:hiddenLine xmlns:a14="http://schemas.microsoft.com/office/drawing/2010/main" xmlns="" w="9525">
+                  <a14:hiddenLine xmlns="" xmlns:a14="http://schemas.microsoft.com/office/drawing/2010/main" w="9525">
                     <a:solidFill>
                       <a:srgbClr val="000000"/>
                     </a:solidFill>
@@ -9142,7 +9160,7 @@
               </a:ln>
               <a:extLst>
                 <a:ext uri="{91240B29-F687-4f45-9708-019B960494DF}">
-                  <a14:hiddenLine xmlns:a14="http://schemas.microsoft.com/office/drawing/2010/main" xmlns="" w="9525">
+                  <a14:hiddenLine xmlns="" xmlns:a14="http://schemas.microsoft.com/office/drawing/2010/main" w="9525">
                     <a:solidFill>
                       <a:srgbClr val="000000"/>
                     </a:solidFill>
@@ -9232,7 +9250,7 @@
               </a:ln>
               <a:extLst>
                 <a:ext uri="{91240B29-F687-4f45-9708-019B960494DF}">
-                  <a14:hiddenLine xmlns:a14="http://schemas.microsoft.com/office/drawing/2010/main" xmlns="" w="9525">
+                  <a14:hiddenLine xmlns="" xmlns:a14="http://schemas.microsoft.com/office/drawing/2010/main" w="9525">
                     <a:solidFill>
                       <a:srgbClr val="000000"/>
                     </a:solidFill>
@@ -9294,7 +9312,7 @@
               </a:ln>
               <a:extLst>
                 <a:ext uri="{91240B29-F687-4f45-9708-019B960494DF}">
-                  <a14:hiddenLine xmlns:a14="http://schemas.microsoft.com/office/drawing/2010/main" xmlns="" w="9525">
+                  <a14:hiddenLine xmlns="" xmlns:a14="http://schemas.microsoft.com/office/drawing/2010/main" w="9525">
                     <a:solidFill>
                       <a:srgbClr val="000000"/>
                     </a:solidFill>
@@ -9384,7 +9402,7 @@
               </a:ln>
               <a:extLst>
                 <a:ext uri="{91240B29-F687-4f45-9708-019B960494DF}">
-                  <a14:hiddenLine xmlns:a14="http://schemas.microsoft.com/office/drawing/2010/main" xmlns="" w="9525">
+                  <a14:hiddenLine xmlns="" xmlns:a14="http://schemas.microsoft.com/office/drawing/2010/main" w="9525">
                     <a:solidFill>
                       <a:srgbClr val="000000"/>
                     </a:solidFill>
@@ -9446,7 +9464,7 @@
               </a:ln>
               <a:extLst>
                 <a:ext uri="{91240B29-F687-4f45-9708-019B960494DF}">
-                  <a14:hiddenLine xmlns:a14="http://schemas.microsoft.com/office/drawing/2010/main" xmlns="" w="9525">
+                  <a14:hiddenLine xmlns="" xmlns:a14="http://schemas.microsoft.com/office/drawing/2010/main" w="9525">
                     <a:solidFill>
                       <a:srgbClr val="000000"/>
                     </a:solidFill>
@@ -9508,7 +9526,7 @@
               </a:ln>
               <a:extLst>
                 <a:ext uri="{91240B29-F687-4f45-9708-019B960494DF}">
-                  <a14:hiddenLine xmlns:a14="http://schemas.microsoft.com/office/drawing/2010/main" xmlns="" w="9525">
+                  <a14:hiddenLine xmlns="" xmlns:a14="http://schemas.microsoft.com/office/drawing/2010/main" w="9525">
                     <a:solidFill>
                       <a:srgbClr val="000000"/>
                     </a:solidFill>
@@ -9598,7 +9616,7 @@
               </a:ln>
               <a:extLst>
                 <a:ext uri="{91240B29-F687-4f45-9708-019B960494DF}">
-                  <a14:hiddenLine xmlns:a14="http://schemas.microsoft.com/office/drawing/2010/main" xmlns="" w="9525">
+                  <a14:hiddenLine xmlns="" xmlns:a14="http://schemas.microsoft.com/office/drawing/2010/main" w="9525">
                     <a:solidFill>
                       <a:srgbClr val="000000"/>
                     </a:solidFill>
@@ -9688,7 +9706,7 @@
               </a:ln>
               <a:extLst>
                 <a:ext uri="{91240B29-F687-4f45-9708-019B960494DF}">
-                  <a14:hiddenLine xmlns:a14="http://schemas.microsoft.com/office/drawing/2010/main" xmlns="" w="9525">
+                  <a14:hiddenLine xmlns="" xmlns:a14="http://schemas.microsoft.com/office/drawing/2010/main" w="9525">
                     <a:solidFill>
                       <a:srgbClr val="000000"/>
                     </a:solidFill>
@@ -9750,7 +9768,7 @@
               </a:ln>
               <a:extLst>
                 <a:ext uri="{91240B29-F687-4f45-9708-019B960494DF}">
-                  <a14:hiddenLine xmlns:a14="http://schemas.microsoft.com/office/drawing/2010/main" xmlns="" w="9525">
+                  <a14:hiddenLine xmlns="" xmlns:a14="http://schemas.microsoft.com/office/drawing/2010/main" w="9525">
                     <a:solidFill>
                       <a:srgbClr val="000000"/>
                     </a:solidFill>
@@ -9860,7 +9878,7 @@
               </a:ln>
               <a:extLst>
                 <a:ext uri="{91240B29-F687-4f45-9708-019B960494DF}">
-                  <a14:hiddenLine xmlns:a14="http://schemas.microsoft.com/office/drawing/2010/main" xmlns="" w="9525">
+                  <a14:hiddenLine xmlns="" xmlns:a14="http://schemas.microsoft.com/office/drawing/2010/main" w="9525">
                     <a:solidFill>
                       <a:srgbClr val="000000"/>
                     </a:solidFill>
@@ -9944,7 +9962,7 @@
               </a:ln>
               <a:extLst>
                 <a:ext uri="{91240B29-F687-4f45-9708-019B960494DF}">
-                  <a14:hiddenLine xmlns:a14="http://schemas.microsoft.com/office/drawing/2010/main" xmlns="" w="9525">
+                  <a14:hiddenLine xmlns="" xmlns:a14="http://schemas.microsoft.com/office/drawing/2010/main" w="9525">
                     <a:solidFill>
                       <a:srgbClr val="000000"/>
                     </a:solidFill>
@@ -10006,7 +10024,7 @@
               </a:ln>
               <a:extLst>
                 <a:ext uri="{91240B29-F687-4f45-9708-019B960494DF}">
-                  <a14:hiddenLine xmlns:a14="http://schemas.microsoft.com/office/drawing/2010/main" xmlns="" w="9525">
+                  <a14:hiddenLine xmlns="" xmlns:a14="http://schemas.microsoft.com/office/drawing/2010/main" w="9525">
                     <a:solidFill>
                       <a:srgbClr val="000000"/>
                     </a:solidFill>
@@ -10068,7 +10086,7 @@
               </a:ln>
               <a:extLst>
                 <a:ext uri="{91240B29-F687-4f45-9708-019B960494DF}">
-                  <a14:hiddenLine xmlns:a14="http://schemas.microsoft.com/office/drawing/2010/main" xmlns="" w="9525">
+                  <a14:hiddenLine xmlns="" xmlns:a14="http://schemas.microsoft.com/office/drawing/2010/main" w="9525">
                     <a:solidFill>
                       <a:srgbClr val="000000"/>
                     </a:solidFill>
@@ -10158,7 +10176,7 @@
               </a:ln>
               <a:extLst>
                 <a:ext uri="{91240B29-F687-4f45-9708-019B960494DF}">
-                  <a14:hiddenLine xmlns:a14="http://schemas.microsoft.com/office/drawing/2010/main" xmlns="" w="9525">
+                  <a14:hiddenLine xmlns="" xmlns:a14="http://schemas.microsoft.com/office/drawing/2010/main" w="9525">
                     <a:solidFill>
                       <a:srgbClr val="000000"/>
                     </a:solidFill>
@@ -10192,7 +10210,7 @@
               </a:ln>
               <a:extLst>
                 <a:ext uri="{91240B29-F687-4f45-9708-019B960494DF}">
-                  <a14:hiddenLine xmlns:a14="http://schemas.microsoft.com/office/drawing/2010/main" xmlns="" w="9525">
+                  <a14:hiddenLine xmlns="" xmlns:a14="http://schemas.microsoft.com/office/drawing/2010/main" w="9525">
                     <a:solidFill>
                       <a:srgbClr val="000000"/>
                     </a:solidFill>
@@ -10257,7 +10275,7 @@
               </a:ln>
               <a:extLst>
                 <a:ext uri="{91240B29-F687-4f45-9708-019B960494DF}">
-                  <a14:hiddenLine xmlns:a14="http://schemas.microsoft.com/office/drawing/2010/main" xmlns="" w="9525">
+                  <a14:hiddenLine xmlns="" xmlns:a14="http://schemas.microsoft.com/office/drawing/2010/main" w="9525">
                     <a:solidFill>
                       <a:srgbClr val="000000"/>
                     </a:solidFill>
@@ -10347,7 +10365,7 @@
               </a:ln>
               <a:extLst>
                 <a:ext uri="{91240B29-F687-4f45-9708-019B960494DF}">
-                  <a14:hiddenLine xmlns:a14="http://schemas.microsoft.com/office/drawing/2010/main" xmlns="" w="9525">
+                  <a14:hiddenLine xmlns="" xmlns:a14="http://schemas.microsoft.com/office/drawing/2010/main" w="9525">
                     <a:solidFill>
                       <a:srgbClr val="000000"/>
                     </a:solidFill>
@@ -10409,7 +10427,7 @@
               </a:ln>
               <a:extLst>
                 <a:ext uri="{91240B29-F687-4f45-9708-019B960494DF}">
-                  <a14:hiddenLine xmlns:a14="http://schemas.microsoft.com/office/drawing/2010/main" xmlns="" w="9525">
+                  <a14:hiddenLine xmlns="" xmlns:a14="http://schemas.microsoft.com/office/drawing/2010/main" w="9525">
                     <a:solidFill>
                       <a:srgbClr val="000000"/>
                     </a:solidFill>
@@ -10499,7 +10517,7 @@
               </a:ln>
               <a:extLst>
                 <a:ext uri="{91240B29-F687-4f45-9708-019B960494DF}">
-                  <a14:hiddenLine xmlns:a14="http://schemas.microsoft.com/office/drawing/2010/main" xmlns="" w="9525">
+                  <a14:hiddenLine xmlns="" xmlns:a14="http://schemas.microsoft.com/office/drawing/2010/main" w="9525">
                     <a:solidFill>
                       <a:srgbClr val="000000"/>
                     </a:solidFill>
@@ -10564,7 +10582,7 @@
               </a:ln>
               <a:extLst>
                 <a:ext uri="{91240B29-F687-4f45-9708-019B960494DF}">
-                  <a14:hiddenLine xmlns:a14="http://schemas.microsoft.com/office/drawing/2010/main" xmlns="" w="9525">
+                  <a14:hiddenLine xmlns="" xmlns:a14="http://schemas.microsoft.com/office/drawing/2010/main" w="9525">
                     <a:solidFill>
                       <a:srgbClr val="000000"/>
                     </a:solidFill>
@@ -10626,7 +10644,7 @@
               </a:ln>
               <a:extLst>
                 <a:ext uri="{91240B29-F687-4f45-9708-019B960494DF}">
-                  <a14:hiddenLine xmlns:a14="http://schemas.microsoft.com/office/drawing/2010/main" xmlns="" w="9525">
+                  <a14:hiddenLine xmlns="" xmlns:a14="http://schemas.microsoft.com/office/drawing/2010/main" w="9525">
                     <a:solidFill>
                       <a:srgbClr val="000000"/>
                     </a:solidFill>
@@ -10716,7 +10734,7 @@
               </a:ln>
               <a:extLst>
                 <a:ext uri="{91240B29-F687-4f45-9708-019B960494DF}">
-                  <a14:hiddenLine xmlns:a14="http://schemas.microsoft.com/office/drawing/2010/main" xmlns="" w="9525">
+                  <a14:hiddenLine xmlns="" xmlns:a14="http://schemas.microsoft.com/office/drawing/2010/main" w="9525">
                     <a:solidFill>
                       <a:srgbClr val="000000"/>
                     </a:solidFill>
@@ -10806,7 +10824,7 @@
               </a:ln>
               <a:extLst>
                 <a:ext uri="{91240B29-F687-4f45-9708-019B960494DF}">
-                  <a14:hiddenLine xmlns:a14="http://schemas.microsoft.com/office/drawing/2010/main" xmlns="" w="9525">
+                  <a14:hiddenLine xmlns="" xmlns:a14="http://schemas.microsoft.com/office/drawing/2010/main" w="9525">
                     <a:solidFill>
                       <a:srgbClr val="000000"/>
                     </a:solidFill>
@@ -10871,7 +10889,7 @@
               </a:ln>
               <a:extLst>
                 <a:ext uri="{91240B29-F687-4f45-9708-019B960494DF}">
-                  <a14:hiddenLine xmlns:a14="http://schemas.microsoft.com/office/drawing/2010/main" xmlns="" w="9525">
+                  <a14:hiddenLine xmlns="" xmlns:a14="http://schemas.microsoft.com/office/drawing/2010/main" w="9525">
                     <a:solidFill>
                       <a:srgbClr val="000000"/>
                     </a:solidFill>
@@ -10991,7 +11009,7 @@
               </a:ln>
               <a:extLst>
                 <a:ext uri="{91240B29-F687-4f45-9708-019B960494DF}">
-                  <a14:hiddenLine xmlns:a14="http://schemas.microsoft.com/office/drawing/2010/main" xmlns="" w="9525">
+                  <a14:hiddenLine xmlns="" xmlns:a14="http://schemas.microsoft.com/office/drawing/2010/main" w="9525">
                     <a:solidFill>
                       <a:srgbClr val="000000"/>
                     </a:solidFill>
@@ -11072,7 +11090,7 @@
               </a:ln>
               <a:extLst>
                 <a:ext uri="{91240B29-F687-4f45-9708-019B960494DF}">
-                  <a14:hiddenLine xmlns:a14="http://schemas.microsoft.com/office/drawing/2010/main" xmlns="" w="9525">
+                  <a14:hiddenLine xmlns="" xmlns:a14="http://schemas.microsoft.com/office/drawing/2010/main" w="9525">
                     <a:solidFill>
                       <a:srgbClr val="000000"/>
                     </a:solidFill>
@@ -11187,7 +11205,7 @@
               </a:ln>
               <a:extLst>
                 <a:ext uri="{91240B29-F687-4f45-9708-019B960494DF}">
-                  <a14:hiddenLine xmlns:a14="http://schemas.microsoft.com/office/drawing/2010/main" xmlns="" w="9525">
+                  <a14:hiddenLine xmlns="" xmlns:a14="http://schemas.microsoft.com/office/drawing/2010/main" w="9525">
                     <a:solidFill>
                       <a:srgbClr val="000000"/>
                     </a:solidFill>
@@ -11277,7 +11295,7 @@
               </a:ln>
               <a:extLst>
                 <a:ext uri="{91240B29-F687-4f45-9708-019B960494DF}">
-                  <a14:hiddenLine xmlns:a14="http://schemas.microsoft.com/office/drawing/2010/main" xmlns="" w="9525">
+                  <a14:hiddenLine xmlns="" xmlns:a14="http://schemas.microsoft.com/office/drawing/2010/main" w="9525">
                     <a:solidFill>
                       <a:srgbClr val="000000"/>
                     </a:solidFill>
@@ -11342,7 +11360,7 @@
               </a:ln>
               <a:extLst>
                 <a:ext uri="{91240B29-F687-4f45-9708-019B960494DF}">
-                  <a14:hiddenLine xmlns:a14="http://schemas.microsoft.com/office/drawing/2010/main" xmlns="" w="9525">
+                  <a14:hiddenLine xmlns="" xmlns:a14="http://schemas.microsoft.com/office/drawing/2010/main" w="9525">
                     <a:solidFill>
                       <a:srgbClr val="000000"/>
                     </a:solidFill>
@@ -11432,7 +11450,7 @@
               </a:ln>
               <a:extLst>
                 <a:ext uri="{91240B29-F687-4f45-9708-019B960494DF}">
-                  <a14:hiddenLine xmlns:a14="http://schemas.microsoft.com/office/drawing/2010/main" xmlns="" w="9525">
+                  <a14:hiddenLine xmlns="" xmlns:a14="http://schemas.microsoft.com/office/drawing/2010/main" w="9525">
                     <a:solidFill>
                       <a:srgbClr val="000000"/>
                     </a:solidFill>
@@ -11500,7 +11518,7 @@
               </a:ln>
               <a:extLst>
                 <a:ext uri="{91240B29-F687-4f45-9708-019B960494DF}">
-                  <a14:hiddenLine xmlns:a14="http://schemas.microsoft.com/office/drawing/2010/main" xmlns="" w="9525">
+                  <a14:hiddenLine xmlns="" xmlns:a14="http://schemas.microsoft.com/office/drawing/2010/main" w="9525">
                     <a:solidFill>
                       <a:srgbClr val="000000"/>
                     </a:solidFill>
@@ -11590,7 +11608,7 @@
               </a:ln>
               <a:extLst>
                 <a:ext uri="{91240B29-F687-4f45-9708-019B960494DF}">
-                  <a14:hiddenLine xmlns:a14="http://schemas.microsoft.com/office/drawing/2010/main" xmlns="" w="9525">
+                  <a14:hiddenLine xmlns="" xmlns:a14="http://schemas.microsoft.com/office/drawing/2010/main" w="9525">
                     <a:solidFill>
                       <a:srgbClr val="000000"/>
                     </a:solidFill>
@@ -11658,7 +11676,7 @@
               </a:ln>
               <a:extLst>
                 <a:ext uri="{91240B29-F687-4f45-9708-019B960494DF}">
-                  <a14:hiddenLine xmlns:a14="http://schemas.microsoft.com/office/drawing/2010/main" xmlns="" w="9525">
+                  <a14:hiddenLine xmlns="" xmlns:a14="http://schemas.microsoft.com/office/drawing/2010/main" w="9525">
                     <a:solidFill>
                       <a:srgbClr val="000000"/>
                     </a:solidFill>
@@ -11748,7 +11766,7 @@
               </a:ln>
               <a:extLst>
                 <a:ext uri="{91240B29-F687-4f45-9708-019B960494DF}">
-                  <a14:hiddenLine xmlns:a14="http://schemas.microsoft.com/office/drawing/2010/main" xmlns="" w="9525">
+                  <a14:hiddenLine xmlns="" xmlns:a14="http://schemas.microsoft.com/office/drawing/2010/main" w="9525">
                     <a:solidFill>
                       <a:srgbClr val="000000"/>
                     </a:solidFill>
@@ -11782,7 +11800,7 @@
               </a:ln>
               <a:extLst>
                 <a:ext uri="{91240B29-F687-4f45-9708-019B960494DF}">
-                  <a14:hiddenLine xmlns:a14="http://schemas.microsoft.com/office/drawing/2010/main" xmlns="" w="9525">
+                  <a14:hiddenLine xmlns="" xmlns:a14="http://schemas.microsoft.com/office/drawing/2010/main" w="9525">
                     <a:solidFill>
                       <a:srgbClr val="000000"/>
                     </a:solidFill>
@@ -12354,7 +12372,23 @@
           <a:bodyPr/>
           <a:lstStyle/>
           <a:p>
-            <a:endParaRPr lang="de-CH"/>
+            <a:r>
+              <a:rPr lang="de-CH" dirty="0" err="1" smtClean="0"/>
+              <a:t>Recap</a:t>
+            </a:r>
+            <a:r>
+              <a:rPr lang="de-CH" dirty="0" smtClean="0"/>
+              <a:t> Arm Cortex </a:t>
+            </a:r>
+            <a:r>
+              <a:rPr lang="de-CH" dirty="0" err="1" smtClean="0"/>
+              <a:t>Processors</a:t>
+            </a:r>
+            <a:r>
+              <a:rPr lang="de-CH" dirty="0" smtClean="0"/>
+              <a:t> &amp; Events</a:t>
+            </a:r>
+            <a:endParaRPr lang="de-CH" dirty="0"/>
           </a:p>
         </p:txBody>
       </p:sp>
@@ -12373,7 +12407,29 @@
           <a:bodyPr/>
           <a:lstStyle/>
           <a:p>
-            <a:endParaRPr lang="de-CH"/>
+            <a:r>
+              <a:rPr lang="de-CH" dirty="0" err="1" smtClean="0"/>
+              <a:t>Pirmin</a:t>
+            </a:r>
+            <a:r>
+              <a:rPr lang="de-CH" dirty="0" smtClean="0"/>
+              <a:t> </a:t>
+            </a:r>
+            <a:r>
+              <a:rPr lang="de-CH" dirty="0" err="1" smtClean="0"/>
+              <a:t>Herger</a:t>
+            </a:r>
+            <a:r>
+              <a:rPr lang="de-CH" dirty="0" smtClean="0"/>
+              <a:t> &amp; Raphael Kissling</a:t>
+            </a:r>
+          </a:p>
+          <a:p>
+            <a:r>
+              <a:rPr lang="de-CH" dirty="0" smtClean="0"/>
+              <a:t>27.3.2017</a:t>
+            </a:r>
+            <a:endParaRPr lang="de-CH" dirty="0"/>
           </a:p>
         </p:txBody>
       </p:sp>
@@ -12381,6 +12437,1477 @@
     <p:extLst>
       <p:ext uri="{BB962C8B-B14F-4D97-AF65-F5344CB8AC3E}">
         <p14:creationId xmlns:p14="http://schemas.microsoft.com/office/powerpoint/2010/main" val="3948762932"/>
+      </p:ext>
+    </p:extLst>
+  </p:cSld>
+  <p:clrMapOvr>
+    <a:masterClrMapping/>
+  </p:clrMapOvr>
+</p:sld>
+</file>
+
+<file path=ppt/slides/slide10.xml><?xml version="1.0" encoding="utf-8"?>
+<p:sld xmlns:a="http://schemas.openxmlformats.org/drawingml/2006/main" xmlns:r="http://schemas.openxmlformats.org/officeDocument/2006/relationships" xmlns:p="http://schemas.openxmlformats.org/presentationml/2006/main">
+  <p:cSld>
+    <p:spTree>
+      <p:nvGrpSpPr>
+        <p:cNvPr id="1" name=""/>
+        <p:cNvGrpSpPr/>
+        <p:nvPr/>
+      </p:nvGrpSpPr>
+      <p:grpSpPr>
+        <a:xfrm>
+          <a:off x="0" y="0"/>
+          <a:ext cx="0" cy="0"/>
+          <a:chOff x="0" y="0"/>
+          <a:chExt cx="0" cy="0"/>
+        </a:xfrm>
+      </p:grpSpPr>
+      <p:sp>
+        <p:nvSpPr>
+          <p:cNvPr id="2" name="Titel 1"/>
+          <p:cNvSpPr>
+            <a:spLocks noGrp="1"/>
+          </p:cNvSpPr>
+          <p:nvPr>
+            <p:ph type="title"/>
+          </p:nvPr>
+        </p:nvSpPr>
+        <p:spPr/>
+        <p:txBody>
+          <a:bodyPr/>
+          <a:lstStyle/>
+          <a:p>
+            <a:r>
+              <a:rPr lang="de-CH" dirty="0" err="1" smtClean="0"/>
+              <a:t>Execution</a:t>
+            </a:r>
+            <a:r>
+              <a:rPr lang="de-CH" dirty="0" smtClean="0"/>
+              <a:t> Speed / </a:t>
+            </a:r>
+            <a:r>
+              <a:rPr lang="de-CH" dirty="0" err="1" smtClean="0"/>
+              <a:t>Decoupling</a:t>
+            </a:r>
+            <a:r>
+              <a:rPr lang="de-CH" dirty="0" smtClean="0"/>
+              <a:t> Event </a:t>
+            </a:r>
+            <a:r>
+              <a:rPr lang="de-CH" dirty="0" err="1" smtClean="0"/>
+              <a:t>and</a:t>
+            </a:r>
+            <a:r>
+              <a:rPr lang="de-CH" dirty="0" smtClean="0"/>
+              <a:t> Processing</a:t>
+            </a:r>
+            <a:endParaRPr lang="de-CH" dirty="0"/>
+          </a:p>
+        </p:txBody>
+      </p:sp>
+      <p:sp>
+        <p:nvSpPr>
+          <p:cNvPr id="3" name="Inhaltsplatzhalter 2"/>
+          <p:cNvSpPr>
+            <a:spLocks noGrp="1"/>
+          </p:cNvSpPr>
+          <p:nvPr>
+            <p:ph idx="1"/>
+          </p:nvPr>
+        </p:nvSpPr>
+        <p:spPr/>
+        <p:txBody>
+          <a:bodyPr/>
+          <a:lstStyle/>
+          <a:p>
+            <a:r>
+              <a:rPr lang="de-CH" dirty="0" smtClean="0"/>
+              <a:t>Folie 7 &amp; 8 (fast </a:t>
+            </a:r>
+            <a:r>
+              <a:rPr lang="de-CH" dirty="0" err="1" smtClean="0"/>
+              <a:t>and</a:t>
+            </a:r>
+            <a:r>
+              <a:rPr lang="de-CH" dirty="0" smtClean="0"/>
+              <a:t> </a:t>
+            </a:r>
+            <a:r>
+              <a:rPr lang="de-CH" dirty="0" err="1" smtClean="0"/>
+              <a:t>slow</a:t>
+            </a:r>
+            <a:r>
+              <a:rPr lang="de-CH" dirty="0" smtClean="0"/>
+              <a:t> </a:t>
+            </a:r>
+            <a:r>
+              <a:rPr lang="de-CH" dirty="0" err="1" smtClean="0"/>
+              <a:t>part</a:t>
+            </a:r>
+            <a:r>
+              <a:rPr lang="de-CH" dirty="0" smtClean="0"/>
+              <a:t>)</a:t>
+            </a:r>
+            <a:endParaRPr lang="de-CH" dirty="0"/>
+          </a:p>
+        </p:txBody>
+      </p:sp>
+    </p:spTree>
+    <p:extLst>
+      <p:ext uri="{BB962C8B-B14F-4D97-AF65-F5344CB8AC3E}">
+        <p14:creationId xmlns:p14="http://schemas.microsoft.com/office/powerpoint/2010/main" val="3541185856"/>
+      </p:ext>
+    </p:extLst>
+  </p:cSld>
+  <p:clrMapOvr>
+    <a:masterClrMapping/>
+  </p:clrMapOvr>
+</p:sld>
+</file>
+
+<file path=ppt/slides/slide11.xml><?xml version="1.0" encoding="utf-8"?>
+<p:sld xmlns:a="http://schemas.openxmlformats.org/drawingml/2006/main" xmlns:r="http://schemas.openxmlformats.org/officeDocument/2006/relationships" xmlns:p="http://schemas.openxmlformats.org/presentationml/2006/main">
+  <p:cSld>
+    <p:spTree>
+      <p:nvGrpSpPr>
+        <p:cNvPr id="1" name=""/>
+        <p:cNvGrpSpPr/>
+        <p:nvPr/>
+      </p:nvGrpSpPr>
+      <p:grpSpPr>
+        <a:xfrm>
+          <a:off x="0" y="0"/>
+          <a:ext cx="0" cy="0"/>
+          <a:chOff x="0" y="0"/>
+          <a:chExt cx="0" cy="0"/>
+        </a:xfrm>
+      </p:grpSpPr>
+      <p:sp>
+        <p:nvSpPr>
+          <p:cNvPr id="2" name="Titel 1"/>
+          <p:cNvSpPr>
+            <a:spLocks noGrp="1"/>
+          </p:cNvSpPr>
+          <p:nvPr>
+            <p:ph type="title"/>
+          </p:nvPr>
+        </p:nvSpPr>
+        <p:spPr/>
+        <p:txBody>
+          <a:bodyPr/>
+          <a:lstStyle/>
+          <a:p>
+            <a:r>
+              <a:rPr lang="de-CH" dirty="0" smtClean="0"/>
+              <a:t>EVNT Array </a:t>
+            </a:r>
+            <a:r>
+              <a:rPr lang="de-CH" dirty="0" err="1" smtClean="0"/>
+              <a:t>and</a:t>
+            </a:r>
+            <a:r>
+              <a:rPr lang="de-CH" dirty="0" smtClean="0"/>
+              <a:t> </a:t>
+            </a:r>
+            <a:r>
+              <a:rPr lang="de-CH" dirty="0" err="1" smtClean="0"/>
+              <a:t>Storing</a:t>
+            </a:r>
+            <a:r>
+              <a:rPr lang="de-CH" dirty="0" smtClean="0"/>
+              <a:t> Events</a:t>
+            </a:r>
+            <a:endParaRPr lang="de-CH" dirty="0"/>
+          </a:p>
+        </p:txBody>
+      </p:sp>
+      <p:sp>
+        <p:nvSpPr>
+          <p:cNvPr id="3" name="Inhaltsplatzhalter 2"/>
+          <p:cNvSpPr>
+            <a:spLocks noGrp="1"/>
+          </p:cNvSpPr>
+          <p:nvPr>
+            <p:ph idx="1"/>
+          </p:nvPr>
+        </p:nvSpPr>
+        <p:spPr/>
+        <p:txBody>
+          <a:bodyPr/>
+          <a:lstStyle/>
+          <a:p>
+            <a:r>
+              <a:rPr lang="de-CH" dirty="0" smtClean="0"/>
+              <a:t>Folien 9 (EVNT Array) und Folie 10/11 (</a:t>
+            </a:r>
+            <a:r>
+              <a:rPr lang="de-CH" dirty="0" err="1" smtClean="0"/>
+              <a:t>Storing</a:t>
+            </a:r>
+            <a:r>
+              <a:rPr lang="de-CH" dirty="0" smtClean="0"/>
+              <a:t> Event Different Implementations)</a:t>
+            </a:r>
+            <a:endParaRPr lang="de-CH" dirty="0"/>
+          </a:p>
+        </p:txBody>
+      </p:sp>
+    </p:spTree>
+    <p:extLst>
+      <p:ext uri="{BB962C8B-B14F-4D97-AF65-F5344CB8AC3E}">
+        <p14:creationId xmlns:p14="http://schemas.microsoft.com/office/powerpoint/2010/main" val="1765693793"/>
+      </p:ext>
+    </p:extLst>
+  </p:cSld>
+  <p:clrMapOvr>
+    <a:masterClrMapping/>
+  </p:clrMapOvr>
+</p:sld>
+</file>
+
+<file path=ppt/slides/slide12.xml><?xml version="1.0" encoding="utf-8"?>
+<p:sld xmlns:a="http://schemas.openxmlformats.org/drawingml/2006/main" xmlns:r="http://schemas.openxmlformats.org/officeDocument/2006/relationships" xmlns:p="http://schemas.openxmlformats.org/presentationml/2006/main">
+  <p:cSld>
+    <p:spTree>
+      <p:nvGrpSpPr>
+        <p:cNvPr id="1" name=""/>
+        <p:cNvGrpSpPr/>
+        <p:nvPr/>
+      </p:nvGrpSpPr>
+      <p:grpSpPr>
+        <a:xfrm>
+          <a:off x="0" y="0"/>
+          <a:ext cx="0" cy="0"/>
+          <a:chOff x="0" y="0"/>
+          <a:chExt cx="0" cy="0"/>
+        </a:xfrm>
+      </p:grpSpPr>
+      <p:sp>
+        <p:nvSpPr>
+          <p:cNvPr id="2" name="Titel 1"/>
+          <p:cNvSpPr>
+            <a:spLocks noGrp="1"/>
+          </p:cNvSpPr>
+          <p:nvPr>
+            <p:ph type="title"/>
+          </p:nvPr>
+        </p:nvSpPr>
+        <p:spPr/>
+        <p:txBody>
+          <a:bodyPr/>
+          <a:lstStyle/>
+          <a:p>
+            <a:r>
+              <a:rPr lang="de-CH" dirty="0" smtClean="0"/>
+              <a:t>Handling Events </a:t>
+            </a:r>
+            <a:r>
+              <a:rPr lang="de-CH" dirty="0" err="1" smtClean="0"/>
+              <a:t>and</a:t>
+            </a:r>
+            <a:r>
+              <a:rPr lang="de-CH" dirty="0" smtClean="0"/>
+              <a:t> </a:t>
+            </a:r>
+            <a:r>
+              <a:rPr lang="de-CH" dirty="0" err="1" smtClean="0"/>
+              <a:t>EvNT_HandleEvent</a:t>
+            </a:r>
+            <a:r>
+              <a:rPr lang="de-CH" dirty="0" smtClean="0"/>
+              <a:t>()</a:t>
+            </a:r>
+            <a:endParaRPr lang="de-CH" dirty="0"/>
+          </a:p>
+        </p:txBody>
+      </p:sp>
+      <p:sp>
+        <p:nvSpPr>
+          <p:cNvPr id="3" name="Inhaltsplatzhalter 2"/>
+          <p:cNvSpPr>
+            <a:spLocks noGrp="1"/>
+          </p:cNvSpPr>
+          <p:nvPr>
+            <p:ph idx="1"/>
+          </p:nvPr>
+        </p:nvSpPr>
+        <p:spPr/>
+        <p:txBody>
+          <a:bodyPr/>
+          <a:lstStyle/>
+          <a:p>
+            <a:r>
+              <a:rPr lang="de-CH" dirty="0" smtClean="0"/>
+              <a:t>Folie 12 (Handling Events </a:t>
+            </a:r>
+            <a:r>
+              <a:rPr lang="de-CH" dirty="0" err="1" smtClean="0"/>
+              <a:t>from</a:t>
+            </a:r>
+            <a:r>
+              <a:rPr lang="de-CH" dirty="0" smtClean="0"/>
+              <a:t> Main </a:t>
+            </a:r>
+            <a:r>
+              <a:rPr lang="de-CH" dirty="0" err="1" smtClean="0"/>
+              <a:t>loop</a:t>
+            </a:r>
+            <a:r>
+              <a:rPr lang="de-CH" dirty="0" smtClean="0"/>
+              <a:t>) und Folie 13 (Event Handler)</a:t>
+            </a:r>
+          </a:p>
+          <a:p>
+            <a:endParaRPr lang="de-CH" dirty="0"/>
+          </a:p>
+        </p:txBody>
+      </p:sp>
+    </p:spTree>
+    <p:extLst>
+      <p:ext uri="{BB962C8B-B14F-4D97-AF65-F5344CB8AC3E}">
+        <p14:creationId xmlns:p14="http://schemas.microsoft.com/office/powerpoint/2010/main" val="1863770750"/>
+      </p:ext>
+    </p:extLst>
+  </p:cSld>
+  <p:clrMapOvr>
+    <a:masterClrMapping/>
+  </p:clrMapOvr>
+</p:sld>
+</file>
+
+<file path=ppt/slides/slide13.xml><?xml version="1.0" encoding="utf-8"?>
+<p:sld xmlns:a="http://schemas.openxmlformats.org/drawingml/2006/main" xmlns:r="http://schemas.openxmlformats.org/officeDocument/2006/relationships" xmlns:p="http://schemas.openxmlformats.org/presentationml/2006/main">
+  <p:cSld>
+    <p:spTree>
+      <p:nvGrpSpPr>
+        <p:cNvPr id="1" name=""/>
+        <p:cNvGrpSpPr/>
+        <p:nvPr/>
+      </p:nvGrpSpPr>
+      <p:grpSpPr>
+        <a:xfrm>
+          <a:off x="0" y="0"/>
+          <a:ext cx="0" cy="0"/>
+          <a:chOff x="0" y="0"/>
+          <a:chExt cx="0" cy="0"/>
+        </a:xfrm>
+      </p:grpSpPr>
+      <p:sp>
+        <p:nvSpPr>
+          <p:cNvPr id="2" name="Titel 1"/>
+          <p:cNvSpPr>
+            <a:spLocks noGrp="1"/>
+          </p:cNvSpPr>
+          <p:nvPr>
+            <p:ph type="title"/>
+          </p:nvPr>
+        </p:nvSpPr>
+        <p:spPr/>
+        <p:txBody>
+          <a:bodyPr/>
+          <a:lstStyle/>
+          <a:p>
+            <a:r>
+              <a:rPr lang="de-CH" dirty="0" err="1" smtClean="0"/>
+              <a:t>Questions</a:t>
+            </a:r>
+            <a:endParaRPr lang="de-CH" dirty="0"/>
+          </a:p>
+        </p:txBody>
+      </p:sp>
+      <p:sp>
+        <p:nvSpPr>
+          <p:cNvPr id="3" name="Inhaltsplatzhalter 2"/>
+          <p:cNvSpPr>
+            <a:spLocks noGrp="1"/>
+          </p:cNvSpPr>
+          <p:nvPr>
+            <p:ph idx="1"/>
+          </p:nvPr>
+        </p:nvSpPr>
+        <p:spPr/>
+        <p:txBody>
+          <a:bodyPr/>
+          <a:lstStyle/>
+          <a:p>
+            <a:pPr marL="0" indent="0">
+              <a:buNone/>
+            </a:pPr>
+            <a:r>
+              <a:rPr lang="de-CH" dirty="0" smtClean="0"/>
+              <a:t>1.</a:t>
+            </a:r>
+          </a:p>
+          <a:p>
+            <a:pPr marL="0" indent="0">
+              <a:buNone/>
+            </a:pPr>
+            <a:r>
+              <a:rPr lang="de-CH" dirty="0" smtClean="0"/>
+              <a:t>2.</a:t>
+            </a:r>
+          </a:p>
+          <a:p>
+            <a:pPr marL="0" indent="0">
+              <a:buNone/>
+            </a:pPr>
+            <a:r>
+              <a:rPr lang="de-CH" dirty="0" smtClean="0"/>
+              <a:t>3.</a:t>
+            </a:r>
+          </a:p>
+          <a:p>
+            <a:pPr marL="0" indent="0">
+              <a:buNone/>
+            </a:pPr>
+            <a:endParaRPr lang="de-CH" dirty="0"/>
+          </a:p>
+        </p:txBody>
+      </p:sp>
+    </p:spTree>
+    <p:extLst>
+      <p:ext uri="{BB962C8B-B14F-4D97-AF65-F5344CB8AC3E}">
+        <p14:creationId xmlns:p14="http://schemas.microsoft.com/office/powerpoint/2010/main" val="1208970733"/>
+      </p:ext>
+    </p:extLst>
+  </p:cSld>
+  <p:clrMapOvr>
+    <a:masterClrMapping/>
+  </p:clrMapOvr>
+</p:sld>
+</file>
+
+<file path=ppt/slides/slide14.xml><?xml version="1.0" encoding="utf-8"?>
+<p:sld xmlns:a="http://schemas.openxmlformats.org/drawingml/2006/main" xmlns:r="http://schemas.openxmlformats.org/officeDocument/2006/relationships" xmlns:p="http://schemas.openxmlformats.org/presentationml/2006/main">
+  <p:cSld>
+    <p:spTree>
+      <p:nvGrpSpPr>
+        <p:cNvPr id="1" name=""/>
+        <p:cNvGrpSpPr/>
+        <p:nvPr/>
+      </p:nvGrpSpPr>
+      <p:grpSpPr>
+        <a:xfrm>
+          <a:off x="0" y="0"/>
+          <a:ext cx="0" cy="0"/>
+          <a:chOff x="0" y="0"/>
+          <a:chExt cx="0" cy="0"/>
+        </a:xfrm>
+      </p:grpSpPr>
+      <p:sp>
+        <p:nvSpPr>
+          <p:cNvPr id="2" name="Titel 1"/>
+          <p:cNvSpPr>
+            <a:spLocks noGrp="1"/>
+          </p:cNvSpPr>
+          <p:nvPr>
+            <p:ph type="title"/>
+          </p:nvPr>
+        </p:nvSpPr>
+        <p:spPr/>
+        <p:txBody>
+          <a:bodyPr/>
+          <a:lstStyle/>
+          <a:p>
+            <a:r>
+              <a:rPr lang="de-CH" dirty="0" err="1" smtClean="0"/>
+              <a:t>Answers</a:t>
+            </a:r>
+            <a:endParaRPr lang="de-CH" dirty="0"/>
+          </a:p>
+        </p:txBody>
+      </p:sp>
+      <p:sp>
+        <p:nvSpPr>
+          <p:cNvPr id="3" name="Inhaltsplatzhalter 2"/>
+          <p:cNvSpPr>
+            <a:spLocks noGrp="1"/>
+          </p:cNvSpPr>
+          <p:nvPr>
+            <p:ph idx="1"/>
+          </p:nvPr>
+        </p:nvSpPr>
+        <p:spPr/>
+        <p:txBody>
+          <a:bodyPr/>
+          <a:lstStyle/>
+          <a:p>
+            <a:pPr marL="0" indent="0">
+              <a:buNone/>
+            </a:pPr>
+            <a:r>
+              <a:rPr lang="de-CH" dirty="0" smtClean="0"/>
+              <a:t>1.</a:t>
+            </a:r>
+          </a:p>
+          <a:p>
+            <a:pPr marL="0" indent="0">
+              <a:buNone/>
+            </a:pPr>
+            <a:r>
+              <a:rPr lang="de-CH" dirty="0" smtClean="0"/>
+              <a:t>2.</a:t>
+            </a:r>
+          </a:p>
+          <a:p>
+            <a:pPr marL="0" indent="0">
+              <a:buNone/>
+            </a:pPr>
+            <a:r>
+              <a:rPr lang="de-CH" dirty="0" smtClean="0"/>
+              <a:t>3.</a:t>
+            </a:r>
+          </a:p>
+          <a:p>
+            <a:pPr marL="0" indent="0">
+              <a:buNone/>
+            </a:pPr>
+            <a:endParaRPr lang="de-CH" dirty="0"/>
+          </a:p>
+        </p:txBody>
+      </p:sp>
+    </p:spTree>
+    <p:extLst>
+      <p:ext uri="{BB962C8B-B14F-4D97-AF65-F5344CB8AC3E}">
+        <p14:creationId xmlns:p14="http://schemas.microsoft.com/office/powerpoint/2010/main" val="2989151715"/>
+      </p:ext>
+    </p:extLst>
+  </p:cSld>
+  <p:clrMapOvr>
+    <a:masterClrMapping/>
+  </p:clrMapOvr>
+</p:sld>
+</file>
+
+<file path=ppt/slides/slide2.xml><?xml version="1.0" encoding="utf-8"?>
+<p:sld xmlns:a="http://schemas.openxmlformats.org/drawingml/2006/main" xmlns:r="http://schemas.openxmlformats.org/officeDocument/2006/relationships" xmlns:p="http://schemas.openxmlformats.org/presentationml/2006/main">
+  <p:cSld>
+    <p:spTree>
+      <p:nvGrpSpPr>
+        <p:cNvPr id="1" name=""/>
+        <p:cNvGrpSpPr/>
+        <p:nvPr/>
+      </p:nvGrpSpPr>
+      <p:grpSpPr>
+        <a:xfrm>
+          <a:off x="0" y="0"/>
+          <a:ext cx="0" cy="0"/>
+          <a:chOff x="0" y="0"/>
+          <a:chExt cx="0" cy="0"/>
+        </a:xfrm>
+      </p:grpSpPr>
+      <p:sp>
+        <p:nvSpPr>
+          <p:cNvPr id="2" name="Titel 1"/>
+          <p:cNvSpPr>
+            <a:spLocks noGrp="1"/>
+          </p:cNvSpPr>
+          <p:nvPr>
+            <p:ph type="title"/>
+          </p:nvPr>
+        </p:nvSpPr>
+        <p:spPr/>
+        <p:txBody>
+          <a:bodyPr/>
+          <a:lstStyle/>
+          <a:p>
+            <a:r>
+              <a:rPr lang="de-CH" dirty="0" err="1" smtClean="0"/>
+              <a:t>Processors</a:t>
+            </a:r>
+            <a:r>
+              <a:rPr lang="de-CH" dirty="0" smtClean="0"/>
+              <a:t> </a:t>
+            </a:r>
+            <a:r>
+              <a:rPr lang="de-CH" dirty="0" err="1" smtClean="0"/>
+              <a:t>and</a:t>
+            </a:r>
+            <a:r>
+              <a:rPr lang="de-CH" dirty="0" smtClean="0"/>
+              <a:t> Cortex-M	</a:t>
+            </a:r>
+            <a:endParaRPr lang="de-CH" dirty="0"/>
+          </a:p>
+        </p:txBody>
+      </p:sp>
+      <p:sp>
+        <p:nvSpPr>
+          <p:cNvPr id="3" name="Inhaltsplatzhalter 2"/>
+          <p:cNvSpPr>
+            <a:spLocks noGrp="1"/>
+          </p:cNvSpPr>
+          <p:nvPr>
+            <p:ph idx="1"/>
+          </p:nvPr>
+        </p:nvSpPr>
+        <p:spPr/>
+        <p:txBody>
+          <a:bodyPr/>
+          <a:lstStyle/>
+          <a:p>
+            <a:r>
+              <a:rPr lang="de-CH" dirty="0" smtClean="0"/>
+              <a:t>Folie 4&amp;5</a:t>
+            </a:r>
+          </a:p>
+          <a:p>
+            <a:r>
+              <a:rPr lang="de-CH" dirty="0" smtClean="0"/>
+              <a:t>Überblick ARM Cortex Familie</a:t>
+            </a:r>
+          </a:p>
+          <a:p>
+            <a:r>
+              <a:rPr lang="de-CH" dirty="0" smtClean="0"/>
+              <a:t>Verschiedene unterschiedliche Cores und Verwendung in INTRO erläutern</a:t>
+            </a:r>
+          </a:p>
+          <a:p>
+            <a:pPr lvl="1"/>
+            <a:r>
+              <a:rPr lang="de-CH" dirty="0" smtClean="0"/>
+              <a:t>M4 (Remote), M4F (Robot),  M0+ (Freedomboard)</a:t>
+            </a:r>
+          </a:p>
+          <a:p>
+            <a:r>
+              <a:rPr lang="de-CH" dirty="0" smtClean="0"/>
+              <a:t>ARM Inc. </a:t>
+            </a:r>
+            <a:r>
+              <a:rPr lang="de-CH" dirty="0" err="1" smtClean="0"/>
+              <a:t>Licenses</a:t>
+            </a:r>
+            <a:r>
+              <a:rPr lang="de-CH" dirty="0" smtClean="0"/>
+              <a:t> </a:t>
+            </a:r>
+            <a:r>
+              <a:rPr lang="de-CH" dirty="0" err="1" smtClean="0"/>
+              <a:t>the</a:t>
+            </a:r>
+            <a:r>
+              <a:rPr lang="de-CH" dirty="0" smtClean="0"/>
+              <a:t> </a:t>
+            </a:r>
+            <a:r>
+              <a:rPr lang="de-CH" dirty="0" err="1" smtClean="0"/>
+              <a:t>configurable</a:t>
+            </a:r>
+            <a:r>
+              <a:rPr lang="de-CH" dirty="0" smtClean="0"/>
+              <a:t> </a:t>
+            </a:r>
+            <a:r>
+              <a:rPr lang="de-CH" dirty="0" err="1" smtClean="0"/>
+              <a:t>core</a:t>
+            </a:r>
+            <a:r>
+              <a:rPr lang="de-CH" dirty="0"/>
+              <a:t> </a:t>
+            </a:r>
+            <a:r>
+              <a:rPr lang="de-CH" dirty="0" smtClean="0">
+                <a:sym typeface="Wingdings" panose="05000000000000000000" pitchFamily="2" charset="2"/>
+              </a:rPr>
+              <a:t> </a:t>
+            </a:r>
+            <a:r>
+              <a:rPr lang="de-CH" dirty="0" err="1" smtClean="0">
+                <a:sym typeface="Wingdings" panose="05000000000000000000" pitchFamily="2" charset="2"/>
+              </a:rPr>
+              <a:t>they</a:t>
+            </a:r>
+            <a:r>
+              <a:rPr lang="de-CH" dirty="0" smtClean="0">
+                <a:sym typeface="Wingdings" panose="05000000000000000000" pitchFamily="2" charset="2"/>
+              </a:rPr>
+              <a:t> </a:t>
+            </a:r>
+            <a:r>
+              <a:rPr lang="de-CH" dirty="0" err="1" smtClean="0">
+                <a:sym typeface="Wingdings" panose="05000000000000000000" pitchFamily="2" charset="2"/>
+              </a:rPr>
+              <a:t>don’t</a:t>
+            </a:r>
+            <a:r>
+              <a:rPr lang="de-CH" dirty="0" smtClean="0">
+                <a:sym typeface="Wingdings" panose="05000000000000000000" pitchFamily="2" charset="2"/>
+              </a:rPr>
+              <a:t> </a:t>
+            </a:r>
+            <a:r>
+              <a:rPr lang="de-CH" dirty="0" err="1" smtClean="0">
+                <a:sym typeface="Wingdings" panose="05000000000000000000" pitchFamily="2" charset="2"/>
+              </a:rPr>
+              <a:t>produce</a:t>
+            </a:r>
+            <a:r>
+              <a:rPr lang="de-CH" dirty="0" smtClean="0">
+                <a:sym typeface="Wingdings" panose="05000000000000000000" pitchFamily="2" charset="2"/>
+              </a:rPr>
+              <a:t> </a:t>
+            </a:r>
+            <a:r>
+              <a:rPr lang="de-CH" dirty="0" err="1" smtClean="0">
+                <a:sym typeface="Wingdings" panose="05000000000000000000" pitchFamily="2" charset="2"/>
+              </a:rPr>
+              <a:t>microcontrollers</a:t>
+            </a:r>
+            <a:endParaRPr lang="de-CH" dirty="0">
+              <a:sym typeface="Wingdings" panose="05000000000000000000" pitchFamily="2" charset="2"/>
+            </a:endParaRPr>
+          </a:p>
+          <a:p>
+            <a:pPr lvl="1"/>
+            <a:r>
+              <a:rPr lang="de-CH" dirty="0" err="1" smtClean="0">
+                <a:sym typeface="Wingdings" panose="05000000000000000000" pitchFamily="2" charset="2"/>
+              </a:rPr>
+              <a:t>Vendors</a:t>
+            </a:r>
+            <a:r>
+              <a:rPr lang="de-CH" dirty="0" smtClean="0">
+                <a:sym typeface="Wingdings" panose="05000000000000000000" pitchFamily="2" charset="2"/>
+              </a:rPr>
+              <a:t> (STM,NXP,TI…) </a:t>
+            </a:r>
+            <a:r>
+              <a:rPr lang="de-CH" dirty="0" err="1" smtClean="0">
+                <a:sym typeface="Wingdings" panose="05000000000000000000" pitchFamily="2" charset="2"/>
+              </a:rPr>
+              <a:t>implement</a:t>
+            </a:r>
+            <a:r>
+              <a:rPr lang="de-CH" dirty="0" smtClean="0">
+                <a:sym typeface="Wingdings" panose="05000000000000000000" pitchFamily="2" charset="2"/>
+              </a:rPr>
+              <a:t> </a:t>
+            </a:r>
+            <a:r>
+              <a:rPr lang="de-CH" dirty="0" err="1" smtClean="0">
+                <a:sym typeface="Wingdings" panose="05000000000000000000" pitchFamily="2" charset="2"/>
+              </a:rPr>
+              <a:t>the</a:t>
+            </a:r>
+            <a:r>
+              <a:rPr lang="de-CH" dirty="0" smtClean="0">
+                <a:sym typeface="Wingdings" panose="05000000000000000000" pitchFamily="2" charset="2"/>
+              </a:rPr>
+              <a:t> </a:t>
+            </a:r>
+            <a:r>
+              <a:rPr lang="de-CH" dirty="0" err="1" smtClean="0">
+                <a:sym typeface="Wingdings" panose="05000000000000000000" pitchFamily="2" charset="2"/>
+              </a:rPr>
+              <a:t>device</a:t>
+            </a:r>
+            <a:r>
+              <a:rPr lang="de-CH" dirty="0" smtClean="0">
+                <a:sym typeface="Wingdings" panose="05000000000000000000" pitchFamily="2" charset="2"/>
+              </a:rPr>
+              <a:t>/</a:t>
+            </a:r>
+            <a:r>
+              <a:rPr lang="de-CH" dirty="0" err="1" smtClean="0">
+                <a:sym typeface="Wingdings" panose="05000000000000000000" pitchFamily="2" charset="2"/>
+              </a:rPr>
+              <a:t>peripherals</a:t>
+            </a:r>
+            <a:endParaRPr lang="de-CH" dirty="0"/>
+          </a:p>
+        </p:txBody>
+      </p:sp>
+    </p:spTree>
+    <p:extLst>
+      <p:ext uri="{BB962C8B-B14F-4D97-AF65-F5344CB8AC3E}">
+        <p14:creationId xmlns:p14="http://schemas.microsoft.com/office/powerpoint/2010/main" val="3314245456"/>
+      </p:ext>
+    </p:extLst>
+  </p:cSld>
+  <p:clrMapOvr>
+    <a:masterClrMapping/>
+  </p:clrMapOvr>
+</p:sld>
+</file>
+
+<file path=ppt/slides/slide3.xml><?xml version="1.0" encoding="utf-8"?>
+<p:sld xmlns:a="http://schemas.openxmlformats.org/drawingml/2006/main" xmlns:r="http://schemas.openxmlformats.org/officeDocument/2006/relationships" xmlns:p="http://schemas.openxmlformats.org/presentationml/2006/main">
+  <p:cSld>
+    <p:spTree>
+      <p:nvGrpSpPr>
+        <p:cNvPr id="1" name=""/>
+        <p:cNvGrpSpPr/>
+        <p:nvPr/>
+      </p:nvGrpSpPr>
+      <p:grpSpPr>
+        <a:xfrm>
+          <a:off x="0" y="0"/>
+          <a:ext cx="0" cy="0"/>
+          <a:chOff x="0" y="0"/>
+          <a:chExt cx="0" cy="0"/>
+        </a:xfrm>
+      </p:grpSpPr>
+      <p:sp>
+        <p:nvSpPr>
+          <p:cNvPr id="2" name="Titel 1"/>
+          <p:cNvSpPr>
+            <a:spLocks noGrp="1"/>
+          </p:cNvSpPr>
+          <p:nvPr>
+            <p:ph type="title"/>
+          </p:nvPr>
+        </p:nvSpPr>
+        <p:spPr/>
+        <p:txBody>
+          <a:bodyPr/>
+          <a:lstStyle/>
+          <a:p>
+            <a:r>
+              <a:rPr lang="de-CH" dirty="0" smtClean="0"/>
+              <a:t>Cortex-M </a:t>
+            </a:r>
+            <a:r>
+              <a:rPr lang="de-CH" dirty="0" err="1" smtClean="0"/>
+              <a:t>Comparison</a:t>
+            </a:r>
+            <a:endParaRPr lang="de-CH" dirty="0"/>
+          </a:p>
+        </p:txBody>
+      </p:sp>
+      <p:sp>
+        <p:nvSpPr>
+          <p:cNvPr id="3" name="Inhaltsplatzhalter 2"/>
+          <p:cNvSpPr>
+            <a:spLocks noGrp="1"/>
+          </p:cNvSpPr>
+          <p:nvPr>
+            <p:ph idx="1"/>
+          </p:nvPr>
+        </p:nvSpPr>
+        <p:spPr/>
+        <p:txBody>
+          <a:bodyPr/>
+          <a:lstStyle/>
+          <a:p>
+            <a:r>
+              <a:rPr lang="de-CH" dirty="0" smtClean="0"/>
+              <a:t>Bild Folie 6 mit Infos und Notizen zu Vergleich M0+ und M4/M4F</a:t>
+            </a:r>
+          </a:p>
+          <a:p>
+            <a:r>
+              <a:rPr lang="de-CH" dirty="0" smtClean="0"/>
+              <a:t>Aufwärtskompatibilität (Folie 7) kurz erläutern ohne Bild</a:t>
+            </a:r>
+            <a:endParaRPr lang="de-CH" dirty="0"/>
+          </a:p>
+        </p:txBody>
+      </p:sp>
+    </p:spTree>
+    <p:extLst>
+      <p:ext uri="{BB962C8B-B14F-4D97-AF65-F5344CB8AC3E}">
+        <p14:creationId xmlns:p14="http://schemas.microsoft.com/office/powerpoint/2010/main" val="1170435208"/>
+      </p:ext>
+    </p:extLst>
+  </p:cSld>
+  <p:clrMapOvr>
+    <a:masterClrMapping/>
+  </p:clrMapOvr>
+</p:sld>
+</file>
+
+<file path=ppt/slides/slide4.xml><?xml version="1.0" encoding="utf-8"?>
+<p:sld xmlns:a="http://schemas.openxmlformats.org/drawingml/2006/main" xmlns:r="http://schemas.openxmlformats.org/officeDocument/2006/relationships" xmlns:p="http://schemas.openxmlformats.org/presentationml/2006/main">
+  <p:cSld>
+    <p:spTree>
+      <p:nvGrpSpPr>
+        <p:cNvPr id="1" name=""/>
+        <p:cNvGrpSpPr/>
+        <p:nvPr/>
+      </p:nvGrpSpPr>
+      <p:grpSpPr>
+        <a:xfrm>
+          <a:off x="0" y="0"/>
+          <a:ext cx="0" cy="0"/>
+          <a:chOff x="0" y="0"/>
+          <a:chExt cx="0" cy="0"/>
+        </a:xfrm>
+      </p:grpSpPr>
+      <p:sp>
+        <p:nvSpPr>
+          <p:cNvPr id="2" name="Titel 1"/>
+          <p:cNvSpPr>
+            <a:spLocks noGrp="1"/>
+          </p:cNvSpPr>
+          <p:nvPr>
+            <p:ph type="title"/>
+          </p:nvPr>
+        </p:nvSpPr>
+        <p:spPr/>
+        <p:txBody>
+          <a:bodyPr/>
+          <a:lstStyle/>
+          <a:p>
+            <a:r>
+              <a:rPr lang="de-CH" dirty="0" err="1" smtClean="0"/>
+              <a:t>Exception</a:t>
+            </a:r>
+            <a:r>
+              <a:rPr lang="de-CH" dirty="0" smtClean="0"/>
+              <a:t> </a:t>
+            </a:r>
+            <a:r>
+              <a:rPr lang="de-CH" dirty="0" err="1" smtClean="0"/>
+              <a:t>Types</a:t>
+            </a:r>
+            <a:r>
+              <a:rPr lang="de-CH" dirty="0" smtClean="0"/>
+              <a:t> </a:t>
+            </a:r>
+            <a:r>
+              <a:rPr lang="de-CH" dirty="0" err="1" smtClean="0"/>
+              <a:t>and</a:t>
+            </a:r>
+            <a:r>
+              <a:rPr lang="de-CH" dirty="0" smtClean="0"/>
+              <a:t> </a:t>
+            </a:r>
+            <a:r>
+              <a:rPr lang="de-CH" dirty="0" err="1" smtClean="0"/>
+              <a:t>Primask</a:t>
+            </a:r>
+            <a:r>
+              <a:rPr lang="de-CH" dirty="0" smtClean="0"/>
+              <a:t>/</a:t>
+            </a:r>
+            <a:r>
+              <a:rPr lang="de-CH" dirty="0" err="1" smtClean="0"/>
+              <a:t>BasePRI</a:t>
+            </a:r>
+            <a:endParaRPr lang="de-CH" dirty="0"/>
+          </a:p>
+        </p:txBody>
+      </p:sp>
+      <p:sp>
+        <p:nvSpPr>
+          <p:cNvPr id="3" name="Inhaltsplatzhalter 2"/>
+          <p:cNvSpPr>
+            <a:spLocks noGrp="1"/>
+          </p:cNvSpPr>
+          <p:nvPr>
+            <p:ph idx="1"/>
+          </p:nvPr>
+        </p:nvSpPr>
+        <p:spPr/>
+        <p:txBody>
+          <a:bodyPr/>
+          <a:lstStyle/>
+          <a:p>
+            <a:r>
+              <a:rPr lang="de-CH" dirty="0" smtClean="0"/>
+              <a:t>Folie 10 (</a:t>
+            </a:r>
+            <a:r>
+              <a:rPr lang="de-CH" dirty="0" err="1" smtClean="0"/>
+              <a:t>Exception</a:t>
+            </a:r>
+            <a:r>
+              <a:rPr lang="de-CH" dirty="0" smtClean="0"/>
+              <a:t> </a:t>
+            </a:r>
+            <a:r>
+              <a:rPr lang="de-CH" dirty="0" err="1" smtClean="0"/>
+              <a:t>Types</a:t>
+            </a:r>
+            <a:r>
+              <a:rPr lang="de-CH" dirty="0"/>
+              <a:t>)</a:t>
+            </a:r>
+            <a:r>
+              <a:rPr lang="de-CH" dirty="0" smtClean="0"/>
+              <a:t> und 12 (</a:t>
+            </a:r>
+            <a:r>
+              <a:rPr lang="de-CH" dirty="0" err="1" smtClean="0"/>
+              <a:t>Primask</a:t>
+            </a:r>
+            <a:r>
+              <a:rPr lang="de-CH" dirty="0" smtClean="0"/>
+              <a:t>/</a:t>
+            </a:r>
+            <a:r>
+              <a:rPr lang="de-CH" dirty="0" err="1" smtClean="0"/>
+              <a:t>Basepri</a:t>
+            </a:r>
+            <a:r>
+              <a:rPr lang="de-CH" dirty="0" smtClean="0"/>
+              <a:t>)</a:t>
+            </a:r>
+            <a:endParaRPr lang="de-CH" dirty="0"/>
+          </a:p>
+        </p:txBody>
+      </p:sp>
+    </p:spTree>
+    <p:extLst>
+      <p:ext uri="{BB962C8B-B14F-4D97-AF65-F5344CB8AC3E}">
+        <p14:creationId xmlns:p14="http://schemas.microsoft.com/office/powerpoint/2010/main" val="3260704080"/>
+      </p:ext>
+    </p:extLst>
+  </p:cSld>
+  <p:clrMapOvr>
+    <a:masterClrMapping/>
+  </p:clrMapOvr>
+</p:sld>
+</file>
+
+<file path=ppt/slides/slide5.xml><?xml version="1.0" encoding="utf-8"?>
+<p:sld xmlns:a="http://schemas.openxmlformats.org/drawingml/2006/main" xmlns:r="http://schemas.openxmlformats.org/officeDocument/2006/relationships" xmlns:p="http://schemas.openxmlformats.org/presentationml/2006/main">
+  <p:cSld>
+    <p:spTree>
+      <p:nvGrpSpPr>
+        <p:cNvPr id="1" name=""/>
+        <p:cNvGrpSpPr/>
+        <p:nvPr/>
+      </p:nvGrpSpPr>
+      <p:grpSpPr>
+        <a:xfrm>
+          <a:off x="0" y="0"/>
+          <a:ext cx="0" cy="0"/>
+          <a:chOff x="0" y="0"/>
+          <a:chExt cx="0" cy="0"/>
+        </a:xfrm>
+      </p:grpSpPr>
+      <p:sp>
+        <p:nvSpPr>
+          <p:cNvPr id="2" name="Titel 1"/>
+          <p:cNvSpPr>
+            <a:spLocks noGrp="1"/>
+          </p:cNvSpPr>
+          <p:nvPr>
+            <p:ph type="title"/>
+          </p:nvPr>
+        </p:nvSpPr>
+        <p:spPr/>
+        <p:txBody>
+          <a:bodyPr/>
+          <a:lstStyle/>
+          <a:p>
+            <a:r>
+              <a:rPr lang="de-CH" dirty="0" smtClean="0"/>
+              <a:t>Cortex-M Interrupt </a:t>
+            </a:r>
+            <a:r>
+              <a:rPr lang="de-CH" dirty="0" err="1" smtClean="0"/>
+              <a:t>Priorities</a:t>
+            </a:r>
+            <a:endParaRPr lang="de-CH" dirty="0"/>
+          </a:p>
+        </p:txBody>
+      </p:sp>
+      <p:sp>
+        <p:nvSpPr>
+          <p:cNvPr id="3" name="Inhaltsplatzhalter 2"/>
+          <p:cNvSpPr>
+            <a:spLocks noGrp="1"/>
+          </p:cNvSpPr>
+          <p:nvPr>
+            <p:ph idx="1"/>
+          </p:nvPr>
+        </p:nvSpPr>
+        <p:spPr/>
+        <p:txBody>
+          <a:bodyPr/>
+          <a:lstStyle/>
+          <a:p>
+            <a:r>
+              <a:rPr lang="de-CH" dirty="0" smtClean="0"/>
+              <a:t>Folie 14</a:t>
+            </a:r>
+          </a:p>
+          <a:p>
+            <a:r>
+              <a:rPr lang="de-CH" dirty="0" smtClean="0"/>
+              <a:t>Beispiele der beiden Prozessortypen</a:t>
+            </a:r>
+            <a:endParaRPr lang="de-CH" dirty="0"/>
+          </a:p>
+        </p:txBody>
+      </p:sp>
+    </p:spTree>
+    <p:extLst>
+      <p:ext uri="{BB962C8B-B14F-4D97-AF65-F5344CB8AC3E}">
+        <p14:creationId xmlns:p14="http://schemas.microsoft.com/office/powerpoint/2010/main" val="45857485"/>
+      </p:ext>
+    </p:extLst>
+  </p:cSld>
+  <p:clrMapOvr>
+    <a:masterClrMapping/>
+  </p:clrMapOvr>
+</p:sld>
+</file>
+
+<file path=ppt/slides/slide6.xml><?xml version="1.0" encoding="utf-8"?>
+<p:sld xmlns:a="http://schemas.openxmlformats.org/drawingml/2006/main" xmlns:r="http://schemas.openxmlformats.org/officeDocument/2006/relationships" xmlns:p="http://schemas.openxmlformats.org/presentationml/2006/main">
+  <p:cSld>
+    <p:spTree>
+      <p:nvGrpSpPr>
+        <p:cNvPr id="1" name=""/>
+        <p:cNvGrpSpPr/>
+        <p:nvPr/>
+      </p:nvGrpSpPr>
+      <p:grpSpPr>
+        <a:xfrm>
+          <a:off x="0" y="0"/>
+          <a:ext cx="0" cy="0"/>
+          <a:chOff x="0" y="0"/>
+          <a:chExt cx="0" cy="0"/>
+        </a:xfrm>
+      </p:grpSpPr>
+      <p:sp>
+        <p:nvSpPr>
+          <p:cNvPr id="2" name="Titel 1"/>
+          <p:cNvSpPr>
+            <a:spLocks noGrp="1"/>
+          </p:cNvSpPr>
+          <p:nvPr>
+            <p:ph type="title"/>
+          </p:nvPr>
+        </p:nvSpPr>
+        <p:spPr/>
+        <p:txBody>
+          <a:bodyPr/>
+          <a:lstStyle/>
+          <a:p>
+            <a:r>
+              <a:rPr lang="de-CH" dirty="0" smtClean="0"/>
+              <a:t>NVIC M0 </a:t>
+            </a:r>
+            <a:r>
+              <a:rPr lang="de-CH" dirty="0" err="1" smtClean="0"/>
+              <a:t>and</a:t>
+            </a:r>
+            <a:r>
+              <a:rPr lang="de-CH" dirty="0" smtClean="0"/>
+              <a:t> M4</a:t>
+            </a:r>
+            <a:endParaRPr lang="de-CH" dirty="0"/>
+          </a:p>
+        </p:txBody>
+      </p:sp>
+      <p:sp>
+        <p:nvSpPr>
+          <p:cNvPr id="3" name="Inhaltsplatzhalter 2"/>
+          <p:cNvSpPr>
+            <a:spLocks noGrp="1"/>
+          </p:cNvSpPr>
+          <p:nvPr>
+            <p:ph idx="1"/>
+          </p:nvPr>
+        </p:nvSpPr>
+        <p:spPr/>
+        <p:txBody>
+          <a:bodyPr/>
+          <a:lstStyle/>
+          <a:p>
+            <a:r>
+              <a:rPr lang="de-CH" dirty="0" smtClean="0"/>
+              <a:t>Folie 15 &amp; 17 vergleichen</a:t>
+            </a:r>
+          </a:p>
+          <a:p>
+            <a:r>
+              <a:rPr lang="de-CH" dirty="0" smtClean="0"/>
+              <a:t>M4 hat zusätzlich NVIC_IABR Register</a:t>
+            </a:r>
+          </a:p>
+          <a:p>
+            <a:pPr marL="0" indent="0">
+              <a:buNone/>
+            </a:pPr>
+            <a:endParaRPr lang="de-CH" dirty="0"/>
+          </a:p>
+        </p:txBody>
+      </p:sp>
+    </p:spTree>
+    <p:extLst>
+      <p:ext uri="{BB962C8B-B14F-4D97-AF65-F5344CB8AC3E}">
+        <p14:creationId xmlns:p14="http://schemas.microsoft.com/office/powerpoint/2010/main" val="228479788"/>
+      </p:ext>
+    </p:extLst>
+  </p:cSld>
+  <p:clrMapOvr>
+    <a:masterClrMapping/>
+  </p:clrMapOvr>
+</p:sld>
+</file>
+
+<file path=ppt/slides/slide7.xml><?xml version="1.0" encoding="utf-8"?>
+<p:sld xmlns:a="http://schemas.openxmlformats.org/drawingml/2006/main" xmlns:r="http://schemas.openxmlformats.org/officeDocument/2006/relationships" xmlns:p="http://schemas.openxmlformats.org/presentationml/2006/main">
+  <p:cSld>
+    <p:spTree>
+      <p:nvGrpSpPr>
+        <p:cNvPr id="1" name=""/>
+        <p:cNvGrpSpPr/>
+        <p:nvPr/>
+      </p:nvGrpSpPr>
+      <p:grpSpPr>
+        <a:xfrm>
+          <a:off x="0" y="0"/>
+          <a:ext cx="0" cy="0"/>
+          <a:chOff x="0" y="0"/>
+          <a:chExt cx="0" cy="0"/>
+        </a:xfrm>
+      </p:grpSpPr>
+      <p:sp>
+        <p:nvSpPr>
+          <p:cNvPr id="2" name="Titel 1"/>
+          <p:cNvSpPr>
+            <a:spLocks noGrp="1"/>
+          </p:cNvSpPr>
+          <p:nvPr>
+            <p:ph type="title"/>
+          </p:nvPr>
+        </p:nvSpPr>
+        <p:spPr/>
+        <p:txBody>
+          <a:bodyPr/>
+          <a:lstStyle/>
+          <a:p>
+            <a:r>
+              <a:rPr lang="de-CH" dirty="0" smtClean="0"/>
+              <a:t>M4 </a:t>
+            </a:r>
+            <a:r>
+              <a:rPr lang="de-CH" dirty="0" err="1" smtClean="0"/>
+              <a:t>Prigroup</a:t>
+            </a:r>
+            <a:endParaRPr lang="de-CH" dirty="0"/>
+          </a:p>
+        </p:txBody>
+      </p:sp>
+      <p:sp>
+        <p:nvSpPr>
+          <p:cNvPr id="3" name="Inhaltsplatzhalter 2"/>
+          <p:cNvSpPr>
+            <a:spLocks noGrp="1"/>
+          </p:cNvSpPr>
+          <p:nvPr>
+            <p:ph idx="1"/>
+          </p:nvPr>
+        </p:nvSpPr>
+        <p:spPr/>
+        <p:txBody>
+          <a:bodyPr/>
+          <a:lstStyle/>
+          <a:p>
+            <a:r>
+              <a:rPr lang="de-CH" dirty="0" smtClean="0"/>
+              <a:t>Folie 18</a:t>
+            </a:r>
+            <a:endParaRPr lang="de-CH" dirty="0"/>
+          </a:p>
+        </p:txBody>
+      </p:sp>
+    </p:spTree>
+    <p:extLst>
+      <p:ext uri="{BB962C8B-B14F-4D97-AF65-F5344CB8AC3E}">
+        <p14:creationId xmlns:p14="http://schemas.microsoft.com/office/powerpoint/2010/main" val="1583506084"/>
+      </p:ext>
+    </p:extLst>
+  </p:cSld>
+  <p:clrMapOvr>
+    <a:masterClrMapping/>
+  </p:clrMapOvr>
+</p:sld>
+</file>
+
+<file path=ppt/slides/slide8.xml><?xml version="1.0" encoding="utf-8"?>
+<p:sld xmlns:a="http://schemas.openxmlformats.org/drawingml/2006/main" xmlns:r="http://schemas.openxmlformats.org/officeDocument/2006/relationships" xmlns:p="http://schemas.openxmlformats.org/presentationml/2006/main">
+  <p:cSld>
+    <p:spTree>
+      <p:nvGrpSpPr>
+        <p:cNvPr id="1" name=""/>
+        <p:cNvGrpSpPr/>
+        <p:nvPr/>
+      </p:nvGrpSpPr>
+      <p:grpSpPr>
+        <a:xfrm>
+          <a:off x="0" y="0"/>
+          <a:ext cx="0" cy="0"/>
+          <a:chOff x="0" y="0"/>
+          <a:chExt cx="0" cy="0"/>
+        </a:xfrm>
+      </p:grpSpPr>
+      <p:sp>
+        <p:nvSpPr>
+          <p:cNvPr id="2" name="Titel 1"/>
+          <p:cNvSpPr>
+            <a:spLocks noGrp="1"/>
+          </p:cNvSpPr>
+          <p:nvPr>
+            <p:ph type="title"/>
+          </p:nvPr>
+        </p:nvSpPr>
+        <p:spPr/>
+        <p:txBody>
+          <a:bodyPr/>
+          <a:lstStyle/>
+          <a:p>
+            <a:r>
+              <a:rPr lang="de-CH" dirty="0" smtClean="0"/>
+              <a:t>Fault </a:t>
+            </a:r>
+            <a:r>
+              <a:rPr lang="de-CH" dirty="0" err="1" smtClean="0"/>
+              <a:t>Exception</a:t>
+            </a:r>
+            <a:r>
+              <a:rPr lang="de-CH" dirty="0" smtClean="0"/>
+              <a:t> </a:t>
+            </a:r>
+            <a:r>
+              <a:rPr lang="de-CH" dirty="0" err="1" smtClean="0"/>
+              <a:t>and</a:t>
+            </a:r>
+            <a:r>
+              <a:rPr lang="de-CH" dirty="0" smtClean="0"/>
+              <a:t> Hard Fault Handler</a:t>
+            </a:r>
+            <a:endParaRPr lang="de-CH" dirty="0"/>
+          </a:p>
+        </p:txBody>
+      </p:sp>
+      <p:sp>
+        <p:nvSpPr>
+          <p:cNvPr id="3" name="Inhaltsplatzhalter 2"/>
+          <p:cNvSpPr>
+            <a:spLocks noGrp="1"/>
+          </p:cNvSpPr>
+          <p:nvPr>
+            <p:ph idx="1"/>
+          </p:nvPr>
+        </p:nvSpPr>
+        <p:spPr/>
+        <p:txBody>
+          <a:bodyPr/>
+          <a:lstStyle/>
+          <a:p>
+            <a:endParaRPr lang="de-CH"/>
+          </a:p>
+        </p:txBody>
+      </p:sp>
+    </p:spTree>
+    <p:extLst>
+      <p:ext uri="{BB962C8B-B14F-4D97-AF65-F5344CB8AC3E}">
+        <p14:creationId xmlns:p14="http://schemas.microsoft.com/office/powerpoint/2010/main" val="3033758253"/>
+      </p:ext>
+    </p:extLst>
+  </p:cSld>
+  <p:clrMapOvr>
+    <a:masterClrMapping/>
+  </p:clrMapOvr>
+</p:sld>
+</file>
+
+<file path=ppt/slides/slide9.xml><?xml version="1.0" encoding="utf-8"?>
+<p:sld xmlns:a="http://schemas.openxmlformats.org/drawingml/2006/main" xmlns:r="http://schemas.openxmlformats.org/officeDocument/2006/relationships" xmlns:p="http://schemas.openxmlformats.org/presentationml/2006/main">
+  <p:cSld>
+    <p:spTree>
+      <p:nvGrpSpPr>
+        <p:cNvPr id="1" name=""/>
+        <p:cNvGrpSpPr/>
+        <p:nvPr/>
+      </p:nvGrpSpPr>
+      <p:grpSpPr>
+        <a:xfrm>
+          <a:off x="0" y="0"/>
+          <a:ext cx="0" cy="0"/>
+          <a:chOff x="0" y="0"/>
+          <a:chExt cx="0" cy="0"/>
+        </a:xfrm>
+      </p:grpSpPr>
+      <p:sp>
+        <p:nvSpPr>
+          <p:cNvPr id="2" name="Titel 1"/>
+          <p:cNvSpPr>
+            <a:spLocks noGrp="1"/>
+          </p:cNvSpPr>
+          <p:nvPr>
+            <p:ph type="title"/>
+          </p:nvPr>
+        </p:nvSpPr>
+        <p:spPr/>
+        <p:txBody>
+          <a:bodyPr/>
+          <a:lstStyle/>
+          <a:p>
+            <a:r>
+              <a:rPr lang="de-CH" dirty="0" smtClean="0"/>
+              <a:t>Events	</a:t>
+            </a:r>
+            <a:endParaRPr lang="de-CH" dirty="0"/>
+          </a:p>
+        </p:txBody>
+      </p:sp>
+      <p:sp>
+        <p:nvSpPr>
+          <p:cNvPr id="3" name="Inhaltsplatzhalter 2"/>
+          <p:cNvSpPr>
+            <a:spLocks noGrp="1"/>
+          </p:cNvSpPr>
+          <p:nvPr>
+            <p:ph idx="1"/>
+          </p:nvPr>
+        </p:nvSpPr>
+        <p:spPr/>
+        <p:txBody>
+          <a:bodyPr/>
+          <a:lstStyle/>
+          <a:p>
+            <a:r>
+              <a:rPr lang="de-CH" dirty="0" smtClean="0"/>
+              <a:t>Folie 4</a:t>
+            </a:r>
+          </a:p>
+          <a:p>
+            <a:r>
+              <a:rPr lang="de-CH" dirty="0" err="1" smtClean="0"/>
+              <a:t>Synchronous</a:t>
+            </a:r>
+            <a:r>
+              <a:rPr lang="de-CH" dirty="0" smtClean="0"/>
+              <a:t> </a:t>
+            </a:r>
+            <a:r>
+              <a:rPr lang="de-CH" dirty="0" err="1" smtClean="0"/>
+              <a:t>vs</a:t>
+            </a:r>
+            <a:r>
+              <a:rPr lang="de-CH" dirty="0" smtClean="0"/>
+              <a:t> </a:t>
+            </a:r>
+            <a:r>
+              <a:rPr lang="de-CH" dirty="0" err="1" smtClean="0"/>
+              <a:t>Asynchronous</a:t>
+            </a:r>
+            <a:endParaRPr lang="de-CH" dirty="0" smtClean="0"/>
+          </a:p>
+          <a:p>
+            <a:r>
+              <a:rPr lang="de-CH" dirty="0" smtClean="0"/>
+              <a:t>Different Implementations</a:t>
+            </a:r>
+            <a:endParaRPr lang="de-CH" dirty="0"/>
+          </a:p>
+        </p:txBody>
+      </p:sp>
+    </p:spTree>
+    <p:extLst>
+      <p:ext uri="{BB962C8B-B14F-4D97-AF65-F5344CB8AC3E}">
+        <p14:creationId xmlns:p14="http://schemas.microsoft.com/office/powerpoint/2010/main" val="4150299669"/>
       </p:ext>
     </p:extLst>
   </p:cSld>

--- a/Recap/Recap_ARM_Cortex_PirminHerger_RaphaelKissling.pptx
+++ b/Recap/Recap_ARM_Cortex_PirminHerger_RaphaelKissling.pptx
@@ -182,7 +182,7 @@
           <a:noFill/>
           <a:extLst>
             <a:ext uri="{909E8E84-426E-40dd-AFC4-6F175D3DCCD1}">
-              <a14:hiddenFill xmlns="" xmlns:a14="http://schemas.microsoft.com/office/drawing/2010/main">
+              <a14:hiddenFill xmlns:a14="http://schemas.microsoft.com/office/drawing/2010/main" xmlns="">
                 <a:solidFill>
                   <a:srgbClr val="FFFFFF"/>
                 </a:solidFill>
@@ -241,7 +241,7 @@
             </a:ln>
             <a:extLst>
               <a:ext uri="{91240B29-F687-4f45-9708-019B960494DF}">
-                <a14:hiddenLine xmlns="" xmlns:a14="http://schemas.microsoft.com/office/drawing/2010/main" w="9525">
+                <a14:hiddenLine xmlns:a14="http://schemas.microsoft.com/office/drawing/2010/main" xmlns="" w="9525">
                   <a:solidFill>
                     <a:srgbClr val="000000"/>
                   </a:solidFill>
@@ -331,7 +331,7 @@
             </a:ln>
             <a:extLst>
               <a:ext uri="{91240B29-F687-4f45-9708-019B960494DF}">
-                <a14:hiddenLine xmlns="" xmlns:a14="http://schemas.microsoft.com/office/drawing/2010/main" w="9525">
+                <a14:hiddenLine xmlns:a14="http://schemas.microsoft.com/office/drawing/2010/main" xmlns="" w="9525">
                   <a:solidFill>
                     <a:srgbClr val="000000"/>
                   </a:solidFill>
@@ -421,7 +421,7 @@
             </a:ln>
             <a:extLst>
               <a:ext uri="{91240B29-F687-4f45-9708-019B960494DF}">
-                <a14:hiddenLine xmlns="" xmlns:a14="http://schemas.microsoft.com/office/drawing/2010/main" w="9525">
+                <a14:hiddenLine xmlns:a14="http://schemas.microsoft.com/office/drawing/2010/main" xmlns="" w="9525">
                   <a:solidFill>
                     <a:srgbClr val="000000"/>
                   </a:solidFill>
@@ -455,7 +455,7 @@
             </a:ln>
             <a:extLst>
               <a:ext uri="{91240B29-F687-4f45-9708-019B960494DF}">
-                <a14:hiddenLine xmlns="" xmlns:a14="http://schemas.microsoft.com/office/drawing/2010/main" w="9525">
+                <a14:hiddenLine xmlns:a14="http://schemas.microsoft.com/office/drawing/2010/main" xmlns="" w="9525">
                   <a:solidFill>
                     <a:srgbClr val="000000"/>
                   </a:solidFill>
@@ -545,7 +545,7 @@
             </a:ln>
             <a:extLst>
               <a:ext uri="{91240B29-F687-4f45-9708-019B960494DF}">
-                <a14:hiddenLine xmlns="" xmlns:a14="http://schemas.microsoft.com/office/drawing/2010/main" w="9525">
+                <a14:hiddenLine xmlns:a14="http://schemas.microsoft.com/office/drawing/2010/main" xmlns="" w="9525">
                   <a:solidFill>
                     <a:srgbClr val="000000"/>
                   </a:solidFill>
@@ -607,7 +607,7 @@
             </a:ln>
             <a:extLst>
               <a:ext uri="{91240B29-F687-4f45-9708-019B960494DF}">
-                <a14:hiddenLine xmlns="" xmlns:a14="http://schemas.microsoft.com/office/drawing/2010/main" w="9525">
+                <a14:hiddenLine xmlns:a14="http://schemas.microsoft.com/office/drawing/2010/main" xmlns="" w="9525">
                   <a:solidFill>
                     <a:srgbClr val="000000"/>
                   </a:solidFill>
@@ -669,7 +669,7 @@
             </a:ln>
             <a:extLst>
               <a:ext uri="{91240B29-F687-4f45-9708-019B960494DF}">
-                <a14:hiddenLine xmlns="" xmlns:a14="http://schemas.microsoft.com/office/drawing/2010/main" w="9525">
+                <a14:hiddenLine xmlns:a14="http://schemas.microsoft.com/office/drawing/2010/main" xmlns="" w="9525">
                   <a:solidFill>
                     <a:srgbClr val="000000"/>
                   </a:solidFill>
@@ -759,7 +759,7 @@
             </a:ln>
             <a:extLst>
               <a:ext uri="{91240B29-F687-4f45-9708-019B960494DF}">
-                <a14:hiddenLine xmlns="" xmlns:a14="http://schemas.microsoft.com/office/drawing/2010/main" w="9525">
+                <a14:hiddenLine xmlns:a14="http://schemas.microsoft.com/office/drawing/2010/main" xmlns="" w="9525">
                   <a:solidFill>
                     <a:srgbClr val="000000"/>
                   </a:solidFill>
@@ -821,7 +821,7 @@
             </a:ln>
             <a:extLst>
               <a:ext uri="{91240B29-F687-4f45-9708-019B960494DF}">
-                <a14:hiddenLine xmlns="" xmlns:a14="http://schemas.microsoft.com/office/drawing/2010/main" w="9525">
+                <a14:hiddenLine xmlns:a14="http://schemas.microsoft.com/office/drawing/2010/main" xmlns="" w="9525">
                   <a:solidFill>
                     <a:srgbClr val="000000"/>
                   </a:solidFill>
@@ -883,7 +883,7 @@
             </a:ln>
             <a:extLst>
               <a:ext uri="{91240B29-F687-4f45-9708-019B960494DF}">
-                <a14:hiddenLine xmlns="" xmlns:a14="http://schemas.microsoft.com/office/drawing/2010/main" w="9525">
+                <a14:hiddenLine xmlns:a14="http://schemas.microsoft.com/office/drawing/2010/main" xmlns="" w="9525">
                   <a:solidFill>
                     <a:srgbClr val="000000"/>
                   </a:solidFill>
@@ -973,7 +973,7 @@
             </a:ln>
             <a:extLst>
               <a:ext uri="{91240B29-F687-4f45-9708-019B960494DF}">
-                <a14:hiddenLine xmlns="" xmlns:a14="http://schemas.microsoft.com/office/drawing/2010/main" w="9525">
+                <a14:hiddenLine xmlns:a14="http://schemas.microsoft.com/office/drawing/2010/main" xmlns="" w="9525">
                   <a:solidFill>
                     <a:srgbClr val="000000"/>
                   </a:solidFill>
@@ -1063,7 +1063,7 @@
             </a:ln>
             <a:extLst>
               <a:ext uri="{91240B29-F687-4f45-9708-019B960494DF}">
-                <a14:hiddenLine xmlns="" xmlns:a14="http://schemas.microsoft.com/office/drawing/2010/main" w="9525">
+                <a14:hiddenLine xmlns:a14="http://schemas.microsoft.com/office/drawing/2010/main" xmlns="" w="9525">
                   <a:solidFill>
                     <a:srgbClr val="000000"/>
                   </a:solidFill>
@@ -1125,7 +1125,7 @@
             </a:ln>
             <a:extLst>
               <a:ext uri="{91240B29-F687-4f45-9708-019B960494DF}">
-                <a14:hiddenLine xmlns="" xmlns:a14="http://schemas.microsoft.com/office/drawing/2010/main" w="9525">
+                <a14:hiddenLine xmlns:a14="http://schemas.microsoft.com/office/drawing/2010/main" xmlns="" w="9525">
                   <a:solidFill>
                     <a:srgbClr val="000000"/>
                   </a:solidFill>
@@ -1235,7 +1235,7 @@
             </a:ln>
             <a:extLst>
               <a:ext uri="{91240B29-F687-4f45-9708-019B960494DF}">
-                <a14:hiddenLine xmlns="" xmlns:a14="http://schemas.microsoft.com/office/drawing/2010/main" w="9525">
+                <a14:hiddenLine xmlns:a14="http://schemas.microsoft.com/office/drawing/2010/main" xmlns="" w="9525">
                   <a:solidFill>
                     <a:srgbClr val="000000"/>
                   </a:solidFill>
@@ -1297,7 +1297,7 @@
             </a:ln>
             <a:extLst>
               <a:ext uri="{91240B29-F687-4f45-9708-019B960494DF}">
-                <a14:hiddenLine xmlns="" xmlns:a14="http://schemas.microsoft.com/office/drawing/2010/main" w="9525">
+                <a14:hiddenLine xmlns:a14="http://schemas.microsoft.com/office/drawing/2010/main" xmlns="" w="9525">
                   <a:solidFill>
                     <a:srgbClr val="000000"/>
                   </a:solidFill>
@@ -1387,7 +1387,7 @@
             </a:ln>
             <a:extLst>
               <a:ext uri="{91240B29-F687-4f45-9708-019B960494DF}">
-                <a14:hiddenLine xmlns="" xmlns:a14="http://schemas.microsoft.com/office/drawing/2010/main" w="9525">
+                <a14:hiddenLine xmlns:a14="http://schemas.microsoft.com/office/drawing/2010/main" xmlns="" w="9525">
                   <a:solidFill>
                     <a:srgbClr val="000000"/>
                   </a:solidFill>
@@ -1477,7 +1477,7 @@
             </a:ln>
             <a:extLst>
               <a:ext uri="{91240B29-F687-4f45-9708-019B960494DF}">
-                <a14:hiddenLine xmlns="" xmlns:a14="http://schemas.microsoft.com/office/drawing/2010/main" w="9525">
+                <a14:hiddenLine xmlns:a14="http://schemas.microsoft.com/office/drawing/2010/main" xmlns="" w="9525">
                   <a:solidFill>
                     <a:srgbClr val="000000"/>
                   </a:solidFill>
@@ -1539,7 +1539,7 @@
             </a:ln>
             <a:extLst>
               <a:ext uri="{91240B29-F687-4f45-9708-019B960494DF}">
-                <a14:hiddenLine xmlns="" xmlns:a14="http://schemas.microsoft.com/office/drawing/2010/main" w="9525">
+                <a14:hiddenLine xmlns:a14="http://schemas.microsoft.com/office/drawing/2010/main" xmlns="" w="9525">
                   <a:solidFill>
                     <a:srgbClr val="000000"/>
                   </a:solidFill>
@@ -1629,7 +1629,7 @@
             </a:ln>
             <a:extLst>
               <a:ext uri="{91240B29-F687-4f45-9708-019B960494DF}">
-                <a14:hiddenLine xmlns="" xmlns:a14="http://schemas.microsoft.com/office/drawing/2010/main" w="9525">
+                <a14:hiddenLine xmlns:a14="http://schemas.microsoft.com/office/drawing/2010/main" xmlns="" w="9525">
                   <a:solidFill>
                     <a:srgbClr val="000000"/>
                   </a:solidFill>
@@ -1719,7 +1719,7 @@
             </a:ln>
             <a:extLst>
               <a:ext uri="{91240B29-F687-4f45-9708-019B960494DF}">
-                <a14:hiddenLine xmlns="" xmlns:a14="http://schemas.microsoft.com/office/drawing/2010/main" w="9525">
+                <a14:hiddenLine xmlns:a14="http://schemas.microsoft.com/office/drawing/2010/main" xmlns="" w="9525">
                   <a:solidFill>
                     <a:srgbClr val="000000"/>
                   </a:solidFill>
@@ -1775,7 +1775,7 @@
             </a:ln>
             <a:extLst>
               <a:ext uri="{91240B29-F687-4f45-9708-019B960494DF}">
-                <a14:hiddenLine xmlns="" xmlns:a14="http://schemas.microsoft.com/office/drawing/2010/main" w="9525">
+                <a14:hiddenLine xmlns:a14="http://schemas.microsoft.com/office/drawing/2010/main" xmlns="" w="9525">
                   <a:solidFill>
                     <a:srgbClr val="000000"/>
                   </a:solidFill>
@@ -1865,7 +1865,7 @@
             </a:ln>
             <a:extLst>
               <a:ext uri="{91240B29-F687-4f45-9708-019B960494DF}">
-                <a14:hiddenLine xmlns="" xmlns:a14="http://schemas.microsoft.com/office/drawing/2010/main" w="9525">
+                <a14:hiddenLine xmlns:a14="http://schemas.microsoft.com/office/drawing/2010/main" xmlns="" w="9525">
                   <a:solidFill>
                     <a:srgbClr val="000000"/>
                   </a:solidFill>
@@ -1921,7 +1921,7 @@
             </a:ln>
             <a:extLst>
               <a:ext uri="{91240B29-F687-4f45-9708-019B960494DF}">
-                <a14:hiddenLine xmlns="" xmlns:a14="http://schemas.microsoft.com/office/drawing/2010/main" w="9525">
+                <a14:hiddenLine xmlns:a14="http://schemas.microsoft.com/office/drawing/2010/main" xmlns="" w="9525">
                   <a:solidFill>
                     <a:srgbClr val="000000"/>
                   </a:solidFill>
@@ -2011,7 +2011,7 @@
             </a:ln>
             <a:extLst>
               <a:ext uri="{91240B29-F687-4f45-9708-019B960494DF}">
-                <a14:hiddenLine xmlns="" xmlns:a14="http://schemas.microsoft.com/office/drawing/2010/main" w="9525">
+                <a14:hiddenLine xmlns:a14="http://schemas.microsoft.com/office/drawing/2010/main" xmlns="" w="9525">
                   <a:solidFill>
                     <a:srgbClr val="000000"/>
                   </a:solidFill>
@@ -2079,7 +2079,7 @@
             </a:ln>
             <a:extLst>
               <a:ext uri="{91240B29-F687-4f45-9708-019B960494DF}">
-                <a14:hiddenLine xmlns="" xmlns:a14="http://schemas.microsoft.com/office/drawing/2010/main" w="9525">
+                <a14:hiddenLine xmlns:a14="http://schemas.microsoft.com/office/drawing/2010/main" xmlns="" w="9525">
                   <a:solidFill>
                     <a:srgbClr val="000000"/>
                   </a:solidFill>
@@ -2169,7 +2169,7 @@
             </a:ln>
             <a:extLst>
               <a:ext uri="{91240B29-F687-4f45-9708-019B960494DF}">
-                <a14:hiddenLine xmlns="" xmlns:a14="http://schemas.microsoft.com/office/drawing/2010/main" w="9525">
+                <a14:hiddenLine xmlns:a14="http://schemas.microsoft.com/office/drawing/2010/main" xmlns="" w="9525">
                   <a:solidFill>
                     <a:srgbClr val="000000"/>
                   </a:solidFill>
@@ -2237,7 +2237,7 @@
             </a:ln>
             <a:extLst>
               <a:ext uri="{91240B29-F687-4f45-9708-019B960494DF}">
-                <a14:hiddenLine xmlns="" xmlns:a14="http://schemas.microsoft.com/office/drawing/2010/main" w="9525">
+                <a14:hiddenLine xmlns:a14="http://schemas.microsoft.com/office/drawing/2010/main" xmlns="" w="9525">
                   <a:solidFill>
                     <a:srgbClr val="000000"/>
                   </a:solidFill>
@@ -2327,7 +2327,7 @@
             </a:ln>
             <a:extLst>
               <a:ext uri="{91240B29-F687-4f45-9708-019B960494DF}">
-                <a14:hiddenLine xmlns="" xmlns:a14="http://schemas.microsoft.com/office/drawing/2010/main" w="9525">
+                <a14:hiddenLine xmlns:a14="http://schemas.microsoft.com/office/drawing/2010/main" xmlns="" w="9525">
                   <a:solidFill>
                     <a:srgbClr val="000000"/>
                   </a:solidFill>
@@ -2361,7 +2361,7 @@
             </a:ln>
             <a:extLst>
               <a:ext uri="{91240B29-F687-4f45-9708-019B960494DF}">
-                <a14:hiddenLine xmlns="" xmlns:a14="http://schemas.microsoft.com/office/drawing/2010/main" w="9525">
+                <a14:hiddenLine xmlns:a14="http://schemas.microsoft.com/office/drawing/2010/main" xmlns="" w="9525">
                   <a:solidFill>
                     <a:srgbClr val="000000"/>
                   </a:solidFill>
@@ -2451,7 +2451,7 @@
             </a:ln>
             <a:extLst>
               <a:ext uri="{91240B29-F687-4f45-9708-019B960494DF}">
-                <a14:hiddenLine xmlns="" xmlns:a14="http://schemas.microsoft.com/office/drawing/2010/main" w="9525">
+                <a14:hiddenLine xmlns:a14="http://schemas.microsoft.com/office/drawing/2010/main" xmlns="" w="9525">
                   <a:solidFill>
                     <a:srgbClr val="000000"/>
                   </a:solidFill>
@@ -2513,7 +2513,7 @@
             </a:ln>
             <a:extLst>
               <a:ext uri="{91240B29-F687-4f45-9708-019B960494DF}">
-                <a14:hiddenLine xmlns="" xmlns:a14="http://schemas.microsoft.com/office/drawing/2010/main" w="9525">
+                <a14:hiddenLine xmlns:a14="http://schemas.microsoft.com/office/drawing/2010/main" xmlns="" w="9525">
                   <a:solidFill>
                     <a:srgbClr val="000000"/>
                   </a:solidFill>
@@ -2575,7 +2575,7 @@
             </a:ln>
             <a:extLst>
               <a:ext uri="{91240B29-F687-4f45-9708-019B960494DF}">
-                <a14:hiddenLine xmlns="" xmlns:a14="http://schemas.microsoft.com/office/drawing/2010/main" w="9525">
+                <a14:hiddenLine xmlns:a14="http://schemas.microsoft.com/office/drawing/2010/main" xmlns="" w="9525">
                   <a:solidFill>
                     <a:srgbClr val="000000"/>
                   </a:solidFill>
@@ -2665,7 +2665,7 @@
             </a:ln>
             <a:extLst>
               <a:ext uri="{91240B29-F687-4f45-9708-019B960494DF}">
-                <a14:hiddenLine xmlns="" xmlns:a14="http://schemas.microsoft.com/office/drawing/2010/main" w="9525">
+                <a14:hiddenLine xmlns:a14="http://schemas.microsoft.com/office/drawing/2010/main" xmlns="" w="9525">
                   <a:solidFill>
                     <a:srgbClr val="000000"/>
                   </a:solidFill>
@@ -2733,7 +2733,7 @@
             </a:ln>
             <a:extLst>
               <a:ext uri="{91240B29-F687-4f45-9708-019B960494DF}">
-                <a14:hiddenLine xmlns="" xmlns:a14="http://schemas.microsoft.com/office/drawing/2010/main" w="9525">
+                <a14:hiddenLine xmlns:a14="http://schemas.microsoft.com/office/drawing/2010/main" xmlns="" w="9525">
                   <a:solidFill>
                     <a:srgbClr val="000000"/>
                   </a:solidFill>
@@ -2795,7 +2795,7 @@
             </a:ln>
             <a:extLst>
               <a:ext uri="{91240B29-F687-4f45-9708-019B960494DF}">
-                <a14:hiddenLine xmlns="" xmlns:a14="http://schemas.microsoft.com/office/drawing/2010/main" w="9525">
+                <a14:hiddenLine xmlns:a14="http://schemas.microsoft.com/office/drawing/2010/main" xmlns="" w="9525">
                   <a:solidFill>
                     <a:srgbClr val="000000"/>
                   </a:solidFill>
@@ -2885,7 +2885,7 @@
             </a:ln>
             <a:extLst>
               <a:ext uri="{91240B29-F687-4f45-9708-019B960494DF}">
-                <a14:hiddenLine xmlns="" xmlns:a14="http://schemas.microsoft.com/office/drawing/2010/main" w="9525">
+                <a14:hiddenLine xmlns:a14="http://schemas.microsoft.com/office/drawing/2010/main" xmlns="" w="9525">
                   <a:solidFill>
                     <a:srgbClr val="000000"/>
                   </a:solidFill>
@@ -2947,7 +2947,7 @@
             </a:ln>
             <a:extLst>
               <a:ext uri="{91240B29-F687-4f45-9708-019B960494DF}">
-                <a14:hiddenLine xmlns="" xmlns:a14="http://schemas.microsoft.com/office/drawing/2010/main" w="9525">
+                <a14:hiddenLine xmlns:a14="http://schemas.microsoft.com/office/drawing/2010/main" xmlns="" w="9525">
                   <a:solidFill>
                     <a:srgbClr val="000000"/>
                   </a:solidFill>
@@ -3037,7 +3037,7 @@
             </a:ln>
             <a:extLst>
               <a:ext uri="{91240B29-F687-4f45-9708-019B960494DF}">
-                <a14:hiddenLine xmlns="" xmlns:a14="http://schemas.microsoft.com/office/drawing/2010/main" w="9525">
+                <a14:hiddenLine xmlns:a14="http://schemas.microsoft.com/office/drawing/2010/main" xmlns="" w="9525">
                   <a:solidFill>
                     <a:srgbClr val="000000"/>
                   </a:solidFill>
@@ -3099,7 +3099,7 @@
             </a:ln>
             <a:extLst>
               <a:ext uri="{91240B29-F687-4f45-9708-019B960494DF}">
-                <a14:hiddenLine xmlns="" xmlns:a14="http://schemas.microsoft.com/office/drawing/2010/main" w="9525">
+                <a14:hiddenLine xmlns:a14="http://schemas.microsoft.com/office/drawing/2010/main" xmlns="" w="9525">
                   <a:solidFill>
                     <a:srgbClr val="000000"/>
                   </a:solidFill>
@@ -3189,7 +3189,7 @@
             </a:ln>
             <a:extLst>
               <a:ext uri="{91240B29-F687-4f45-9708-019B960494DF}">
-                <a14:hiddenLine xmlns="" xmlns:a14="http://schemas.microsoft.com/office/drawing/2010/main" w="9525">
+                <a14:hiddenLine xmlns:a14="http://schemas.microsoft.com/office/drawing/2010/main" xmlns="" w="9525">
                   <a:solidFill>
                     <a:srgbClr val="000000"/>
                   </a:solidFill>
@@ -3223,7 +3223,7 @@
             </a:ln>
             <a:extLst>
               <a:ext uri="{91240B29-F687-4f45-9708-019B960494DF}">
-                <a14:hiddenLine xmlns="" xmlns:a14="http://schemas.microsoft.com/office/drawing/2010/main" w="9525">
+                <a14:hiddenLine xmlns:a14="http://schemas.microsoft.com/office/drawing/2010/main" xmlns="" w="9525">
                   <a:solidFill>
                     <a:srgbClr val="000000"/>
                   </a:solidFill>
@@ -3288,7 +3288,7 @@
             </a:ln>
             <a:extLst>
               <a:ext uri="{91240B29-F687-4f45-9708-019B960494DF}">
-                <a14:hiddenLine xmlns="" xmlns:a14="http://schemas.microsoft.com/office/drawing/2010/main" w="9525">
+                <a14:hiddenLine xmlns:a14="http://schemas.microsoft.com/office/drawing/2010/main" xmlns="" w="9525">
                   <a:solidFill>
                     <a:srgbClr val="000000"/>
                   </a:solidFill>
@@ -3378,7 +3378,7 @@
             </a:ln>
             <a:extLst>
               <a:ext uri="{91240B29-F687-4f45-9708-019B960494DF}">
-                <a14:hiddenLine xmlns="" xmlns:a14="http://schemas.microsoft.com/office/drawing/2010/main" w="9525">
+                <a14:hiddenLine xmlns:a14="http://schemas.microsoft.com/office/drawing/2010/main" xmlns="" w="9525">
                   <a:solidFill>
                     <a:srgbClr val="000000"/>
                   </a:solidFill>
@@ -3440,7 +3440,7 @@
             </a:ln>
             <a:extLst>
               <a:ext uri="{91240B29-F687-4f45-9708-019B960494DF}">
-                <a14:hiddenLine xmlns="" xmlns:a14="http://schemas.microsoft.com/office/drawing/2010/main" w="9525">
+                <a14:hiddenLine xmlns:a14="http://schemas.microsoft.com/office/drawing/2010/main" xmlns="" w="9525">
                   <a:solidFill>
                     <a:srgbClr val="000000"/>
                   </a:solidFill>
@@ -3530,7 +3530,7 @@
             </a:ln>
             <a:extLst>
               <a:ext uri="{91240B29-F687-4f45-9708-019B960494DF}">
-                <a14:hiddenLine xmlns="" xmlns:a14="http://schemas.microsoft.com/office/drawing/2010/main" w="9525">
+                <a14:hiddenLine xmlns:a14="http://schemas.microsoft.com/office/drawing/2010/main" xmlns="" w="9525">
                   <a:solidFill>
                     <a:srgbClr val="000000"/>
                   </a:solidFill>
@@ -3620,7 +3620,7 @@
             </a:ln>
             <a:extLst>
               <a:ext uri="{91240B29-F687-4f45-9708-019B960494DF}">
-                <a14:hiddenLine xmlns="" xmlns:a14="http://schemas.microsoft.com/office/drawing/2010/main" w="9525">
+                <a14:hiddenLine xmlns:a14="http://schemas.microsoft.com/office/drawing/2010/main" xmlns="" w="9525">
                   <a:solidFill>
                     <a:srgbClr val="000000"/>
                   </a:solidFill>
@@ -3685,7 +3685,7 @@
             </a:ln>
             <a:extLst>
               <a:ext uri="{91240B29-F687-4f45-9708-019B960494DF}">
-                <a14:hiddenLine xmlns="" xmlns:a14="http://schemas.microsoft.com/office/drawing/2010/main" w="9525">
+                <a14:hiddenLine xmlns:a14="http://schemas.microsoft.com/office/drawing/2010/main" xmlns="" w="9525">
                   <a:solidFill>
                     <a:srgbClr val="000000"/>
                   </a:solidFill>
@@ -3747,7 +3747,7 @@
             </a:ln>
             <a:extLst>
               <a:ext uri="{91240B29-F687-4f45-9708-019B960494DF}">
-                <a14:hiddenLine xmlns="" xmlns:a14="http://schemas.microsoft.com/office/drawing/2010/main" w="9525">
+                <a14:hiddenLine xmlns:a14="http://schemas.microsoft.com/office/drawing/2010/main" xmlns="" w="9525">
                   <a:solidFill>
                     <a:srgbClr val="000000"/>
                   </a:solidFill>
@@ -3837,7 +3837,7 @@
             </a:ln>
             <a:extLst>
               <a:ext uri="{91240B29-F687-4f45-9708-019B960494DF}">
-                <a14:hiddenLine xmlns="" xmlns:a14="http://schemas.microsoft.com/office/drawing/2010/main" w="9525">
+                <a14:hiddenLine xmlns:a14="http://schemas.microsoft.com/office/drawing/2010/main" xmlns="" w="9525">
                   <a:solidFill>
                     <a:srgbClr val="000000"/>
                   </a:solidFill>
@@ -3927,7 +3927,7 @@
             </a:ln>
             <a:extLst>
               <a:ext uri="{91240B29-F687-4f45-9708-019B960494DF}">
-                <a14:hiddenLine xmlns="" xmlns:a14="http://schemas.microsoft.com/office/drawing/2010/main" w="9525">
+                <a14:hiddenLine xmlns:a14="http://schemas.microsoft.com/office/drawing/2010/main" xmlns="" w="9525">
                   <a:solidFill>
                     <a:srgbClr val="000000"/>
                   </a:solidFill>
@@ -3989,7 +3989,7 @@
             </a:ln>
             <a:extLst>
               <a:ext uri="{91240B29-F687-4f45-9708-019B960494DF}">
-                <a14:hiddenLine xmlns="" xmlns:a14="http://schemas.microsoft.com/office/drawing/2010/main" w="9525">
+                <a14:hiddenLine xmlns:a14="http://schemas.microsoft.com/office/drawing/2010/main" xmlns="" w="9525">
                   <a:solidFill>
                     <a:srgbClr val="000000"/>
                   </a:solidFill>
@@ -4109,7 +4109,7 @@
             </a:ln>
             <a:extLst>
               <a:ext uri="{91240B29-F687-4f45-9708-019B960494DF}">
-                <a14:hiddenLine xmlns="" xmlns:a14="http://schemas.microsoft.com/office/drawing/2010/main" w="9525">
+                <a14:hiddenLine xmlns:a14="http://schemas.microsoft.com/office/drawing/2010/main" xmlns="" w="9525">
                   <a:solidFill>
                     <a:srgbClr val="000000"/>
                   </a:solidFill>
@@ -4177,7 +4177,7 @@
             </a:ln>
             <a:extLst>
               <a:ext uri="{91240B29-F687-4f45-9708-019B960494DF}">
-                <a14:hiddenLine xmlns="" xmlns:a14="http://schemas.microsoft.com/office/drawing/2010/main" w="9525">
+                <a14:hiddenLine xmlns:a14="http://schemas.microsoft.com/office/drawing/2010/main" xmlns="" w="9525">
                   <a:solidFill>
                     <a:srgbClr val="000000"/>
                   </a:solidFill>
@@ -4267,7 +4267,7 @@
             </a:ln>
             <a:extLst>
               <a:ext uri="{91240B29-F687-4f45-9708-019B960494DF}">
-                <a14:hiddenLine xmlns="" xmlns:a14="http://schemas.microsoft.com/office/drawing/2010/main" w="9525">
+                <a14:hiddenLine xmlns:a14="http://schemas.microsoft.com/office/drawing/2010/main" xmlns="" w="9525">
                   <a:solidFill>
                     <a:srgbClr val="000000"/>
                   </a:solidFill>
@@ -8996,7 +8996,7 @@
           <a:noFill/>
           <a:extLst>
             <a:ext uri="{909E8E84-426E-40dd-AFC4-6F175D3DCCD1}">
-              <a14:hiddenFill xmlns="" xmlns:a14="http://schemas.microsoft.com/office/drawing/2010/main">
+              <a14:hiddenFill xmlns:a14="http://schemas.microsoft.com/office/drawing/2010/main" xmlns="">
                 <a:solidFill>
                   <a:srgbClr val="FFFFFF"/>
                 </a:solidFill>
@@ -9070,7 +9070,7 @@
               </a:ln>
               <a:extLst>
                 <a:ext uri="{91240B29-F687-4f45-9708-019B960494DF}">
-                  <a14:hiddenLine xmlns="" xmlns:a14="http://schemas.microsoft.com/office/drawing/2010/main" w="9525">
+                  <a14:hiddenLine xmlns:a14="http://schemas.microsoft.com/office/drawing/2010/main" xmlns="" w="9525">
                     <a:solidFill>
                       <a:srgbClr val="000000"/>
                     </a:solidFill>
@@ -9160,7 +9160,7 @@
               </a:ln>
               <a:extLst>
                 <a:ext uri="{91240B29-F687-4f45-9708-019B960494DF}">
-                  <a14:hiddenLine xmlns="" xmlns:a14="http://schemas.microsoft.com/office/drawing/2010/main" w="9525">
+                  <a14:hiddenLine xmlns:a14="http://schemas.microsoft.com/office/drawing/2010/main" xmlns="" w="9525">
                     <a:solidFill>
                       <a:srgbClr val="000000"/>
                     </a:solidFill>
@@ -9250,7 +9250,7 @@
               </a:ln>
               <a:extLst>
                 <a:ext uri="{91240B29-F687-4f45-9708-019B960494DF}">
-                  <a14:hiddenLine xmlns="" xmlns:a14="http://schemas.microsoft.com/office/drawing/2010/main" w="9525">
+                  <a14:hiddenLine xmlns:a14="http://schemas.microsoft.com/office/drawing/2010/main" xmlns="" w="9525">
                     <a:solidFill>
                       <a:srgbClr val="000000"/>
                     </a:solidFill>
@@ -9312,7 +9312,7 @@
               </a:ln>
               <a:extLst>
                 <a:ext uri="{91240B29-F687-4f45-9708-019B960494DF}">
-                  <a14:hiddenLine xmlns="" xmlns:a14="http://schemas.microsoft.com/office/drawing/2010/main" w="9525">
+                  <a14:hiddenLine xmlns:a14="http://schemas.microsoft.com/office/drawing/2010/main" xmlns="" w="9525">
                     <a:solidFill>
                       <a:srgbClr val="000000"/>
                     </a:solidFill>
@@ -9402,7 +9402,7 @@
               </a:ln>
               <a:extLst>
                 <a:ext uri="{91240B29-F687-4f45-9708-019B960494DF}">
-                  <a14:hiddenLine xmlns="" xmlns:a14="http://schemas.microsoft.com/office/drawing/2010/main" w="9525">
+                  <a14:hiddenLine xmlns:a14="http://schemas.microsoft.com/office/drawing/2010/main" xmlns="" w="9525">
                     <a:solidFill>
                       <a:srgbClr val="000000"/>
                     </a:solidFill>
@@ -9464,7 +9464,7 @@
               </a:ln>
               <a:extLst>
                 <a:ext uri="{91240B29-F687-4f45-9708-019B960494DF}">
-                  <a14:hiddenLine xmlns="" xmlns:a14="http://schemas.microsoft.com/office/drawing/2010/main" w="9525">
+                  <a14:hiddenLine xmlns:a14="http://schemas.microsoft.com/office/drawing/2010/main" xmlns="" w="9525">
                     <a:solidFill>
                       <a:srgbClr val="000000"/>
                     </a:solidFill>
@@ -9526,7 +9526,7 @@
               </a:ln>
               <a:extLst>
                 <a:ext uri="{91240B29-F687-4f45-9708-019B960494DF}">
-                  <a14:hiddenLine xmlns="" xmlns:a14="http://schemas.microsoft.com/office/drawing/2010/main" w="9525">
+                  <a14:hiddenLine xmlns:a14="http://schemas.microsoft.com/office/drawing/2010/main" xmlns="" w="9525">
                     <a:solidFill>
                       <a:srgbClr val="000000"/>
                     </a:solidFill>
@@ -9616,7 +9616,7 @@
               </a:ln>
               <a:extLst>
                 <a:ext uri="{91240B29-F687-4f45-9708-019B960494DF}">
-                  <a14:hiddenLine xmlns="" xmlns:a14="http://schemas.microsoft.com/office/drawing/2010/main" w="9525">
+                  <a14:hiddenLine xmlns:a14="http://schemas.microsoft.com/office/drawing/2010/main" xmlns="" w="9525">
                     <a:solidFill>
                       <a:srgbClr val="000000"/>
                     </a:solidFill>
@@ -9706,7 +9706,7 @@
               </a:ln>
               <a:extLst>
                 <a:ext uri="{91240B29-F687-4f45-9708-019B960494DF}">
-                  <a14:hiddenLine xmlns="" xmlns:a14="http://schemas.microsoft.com/office/drawing/2010/main" w="9525">
+                  <a14:hiddenLine xmlns:a14="http://schemas.microsoft.com/office/drawing/2010/main" xmlns="" w="9525">
                     <a:solidFill>
                       <a:srgbClr val="000000"/>
                     </a:solidFill>
@@ -9768,7 +9768,7 @@
               </a:ln>
               <a:extLst>
                 <a:ext uri="{91240B29-F687-4f45-9708-019B960494DF}">
-                  <a14:hiddenLine xmlns="" xmlns:a14="http://schemas.microsoft.com/office/drawing/2010/main" w="9525">
+                  <a14:hiddenLine xmlns:a14="http://schemas.microsoft.com/office/drawing/2010/main" xmlns="" w="9525">
                     <a:solidFill>
                       <a:srgbClr val="000000"/>
                     </a:solidFill>
@@ -9878,7 +9878,7 @@
               </a:ln>
               <a:extLst>
                 <a:ext uri="{91240B29-F687-4f45-9708-019B960494DF}">
-                  <a14:hiddenLine xmlns="" xmlns:a14="http://schemas.microsoft.com/office/drawing/2010/main" w="9525">
+                  <a14:hiddenLine xmlns:a14="http://schemas.microsoft.com/office/drawing/2010/main" xmlns="" w="9525">
                     <a:solidFill>
                       <a:srgbClr val="000000"/>
                     </a:solidFill>
@@ -9962,7 +9962,7 @@
               </a:ln>
               <a:extLst>
                 <a:ext uri="{91240B29-F687-4f45-9708-019B960494DF}">
-                  <a14:hiddenLine xmlns="" xmlns:a14="http://schemas.microsoft.com/office/drawing/2010/main" w="9525">
+                  <a14:hiddenLine xmlns:a14="http://schemas.microsoft.com/office/drawing/2010/main" xmlns="" w="9525">
                     <a:solidFill>
                       <a:srgbClr val="000000"/>
                     </a:solidFill>
@@ -10024,7 +10024,7 @@
               </a:ln>
               <a:extLst>
                 <a:ext uri="{91240B29-F687-4f45-9708-019B960494DF}">
-                  <a14:hiddenLine xmlns="" xmlns:a14="http://schemas.microsoft.com/office/drawing/2010/main" w="9525">
+                  <a14:hiddenLine xmlns:a14="http://schemas.microsoft.com/office/drawing/2010/main" xmlns="" w="9525">
                     <a:solidFill>
                       <a:srgbClr val="000000"/>
                     </a:solidFill>
@@ -10086,7 +10086,7 @@
               </a:ln>
               <a:extLst>
                 <a:ext uri="{91240B29-F687-4f45-9708-019B960494DF}">
-                  <a14:hiddenLine xmlns="" xmlns:a14="http://schemas.microsoft.com/office/drawing/2010/main" w="9525">
+                  <a14:hiddenLine xmlns:a14="http://schemas.microsoft.com/office/drawing/2010/main" xmlns="" w="9525">
                     <a:solidFill>
                       <a:srgbClr val="000000"/>
                     </a:solidFill>
@@ -10176,7 +10176,7 @@
               </a:ln>
               <a:extLst>
                 <a:ext uri="{91240B29-F687-4f45-9708-019B960494DF}">
-                  <a14:hiddenLine xmlns="" xmlns:a14="http://schemas.microsoft.com/office/drawing/2010/main" w="9525">
+                  <a14:hiddenLine xmlns:a14="http://schemas.microsoft.com/office/drawing/2010/main" xmlns="" w="9525">
                     <a:solidFill>
                       <a:srgbClr val="000000"/>
                     </a:solidFill>
@@ -10210,7 +10210,7 @@
               </a:ln>
               <a:extLst>
                 <a:ext uri="{91240B29-F687-4f45-9708-019B960494DF}">
-                  <a14:hiddenLine xmlns="" xmlns:a14="http://schemas.microsoft.com/office/drawing/2010/main" w="9525">
+                  <a14:hiddenLine xmlns:a14="http://schemas.microsoft.com/office/drawing/2010/main" xmlns="" w="9525">
                     <a:solidFill>
                       <a:srgbClr val="000000"/>
                     </a:solidFill>
@@ -10275,7 +10275,7 @@
               </a:ln>
               <a:extLst>
                 <a:ext uri="{91240B29-F687-4f45-9708-019B960494DF}">
-                  <a14:hiddenLine xmlns="" xmlns:a14="http://schemas.microsoft.com/office/drawing/2010/main" w="9525">
+                  <a14:hiddenLine xmlns:a14="http://schemas.microsoft.com/office/drawing/2010/main" xmlns="" w="9525">
                     <a:solidFill>
                       <a:srgbClr val="000000"/>
                     </a:solidFill>
@@ -10365,7 +10365,7 @@
               </a:ln>
               <a:extLst>
                 <a:ext uri="{91240B29-F687-4f45-9708-019B960494DF}">
-                  <a14:hiddenLine xmlns="" xmlns:a14="http://schemas.microsoft.com/office/drawing/2010/main" w="9525">
+                  <a14:hiddenLine xmlns:a14="http://schemas.microsoft.com/office/drawing/2010/main" xmlns="" w="9525">
                     <a:solidFill>
                       <a:srgbClr val="000000"/>
                     </a:solidFill>
@@ -10427,7 +10427,7 @@
               </a:ln>
               <a:extLst>
                 <a:ext uri="{91240B29-F687-4f45-9708-019B960494DF}">
-                  <a14:hiddenLine xmlns="" xmlns:a14="http://schemas.microsoft.com/office/drawing/2010/main" w="9525">
+                  <a14:hiddenLine xmlns:a14="http://schemas.microsoft.com/office/drawing/2010/main" xmlns="" w="9525">
                     <a:solidFill>
                       <a:srgbClr val="000000"/>
                     </a:solidFill>
@@ -10517,7 +10517,7 @@
               </a:ln>
               <a:extLst>
                 <a:ext uri="{91240B29-F687-4f45-9708-019B960494DF}">
-                  <a14:hiddenLine xmlns="" xmlns:a14="http://schemas.microsoft.com/office/drawing/2010/main" w="9525">
+                  <a14:hiddenLine xmlns:a14="http://schemas.microsoft.com/office/drawing/2010/main" xmlns="" w="9525">
                     <a:solidFill>
                       <a:srgbClr val="000000"/>
                     </a:solidFill>
@@ -10582,7 +10582,7 @@
               </a:ln>
               <a:extLst>
                 <a:ext uri="{91240B29-F687-4f45-9708-019B960494DF}">
-                  <a14:hiddenLine xmlns="" xmlns:a14="http://schemas.microsoft.com/office/drawing/2010/main" w="9525">
+                  <a14:hiddenLine xmlns:a14="http://schemas.microsoft.com/office/drawing/2010/main" xmlns="" w="9525">
                     <a:solidFill>
                       <a:srgbClr val="000000"/>
                     </a:solidFill>
@@ -10644,7 +10644,7 @@
               </a:ln>
               <a:extLst>
                 <a:ext uri="{91240B29-F687-4f45-9708-019B960494DF}">
-                  <a14:hiddenLine xmlns="" xmlns:a14="http://schemas.microsoft.com/office/drawing/2010/main" w="9525">
+                  <a14:hiddenLine xmlns:a14="http://schemas.microsoft.com/office/drawing/2010/main" xmlns="" w="9525">
                     <a:solidFill>
                       <a:srgbClr val="000000"/>
                     </a:solidFill>
@@ -10734,7 +10734,7 @@
               </a:ln>
               <a:extLst>
                 <a:ext uri="{91240B29-F687-4f45-9708-019B960494DF}">
-                  <a14:hiddenLine xmlns="" xmlns:a14="http://schemas.microsoft.com/office/drawing/2010/main" w="9525">
+                  <a14:hiddenLine xmlns:a14="http://schemas.microsoft.com/office/drawing/2010/main" xmlns="" w="9525">
                     <a:solidFill>
                       <a:srgbClr val="000000"/>
                     </a:solidFill>
@@ -10824,7 +10824,7 @@
               </a:ln>
               <a:extLst>
                 <a:ext uri="{91240B29-F687-4f45-9708-019B960494DF}">
-                  <a14:hiddenLine xmlns="" xmlns:a14="http://schemas.microsoft.com/office/drawing/2010/main" w="9525">
+                  <a14:hiddenLine xmlns:a14="http://schemas.microsoft.com/office/drawing/2010/main" xmlns="" w="9525">
                     <a:solidFill>
                       <a:srgbClr val="000000"/>
                     </a:solidFill>
@@ -10889,7 +10889,7 @@
               </a:ln>
               <a:extLst>
                 <a:ext uri="{91240B29-F687-4f45-9708-019B960494DF}">
-                  <a14:hiddenLine xmlns="" xmlns:a14="http://schemas.microsoft.com/office/drawing/2010/main" w="9525">
+                  <a14:hiddenLine xmlns:a14="http://schemas.microsoft.com/office/drawing/2010/main" xmlns="" w="9525">
                     <a:solidFill>
                       <a:srgbClr val="000000"/>
                     </a:solidFill>
@@ -11009,7 +11009,7 @@
               </a:ln>
               <a:extLst>
                 <a:ext uri="{91240B29-F687-4f45-9708-019B960494DF}">
-                  <a14:hiddenLine xmlns="" xmlns:a14="http://schemas.microsoft.com/office/drawing/2010/main" w="9525">
+                  <a14:hiddenLine xmlns:a14="http://schemas.microsoft.com/office/drawing/2010/main" xmlns="" w="9525">
                     <a:solidFill>
                       <a:srgbClr val="000000"/>
                     </a:solidFill>
@@ -11090,7 +11090,7 @@
               </a:ln>
               <a:extLst>
                 <a:ext uri="{91240B29-F687-4f45-9708-019B960494DF}">
-                  <a14:hiddenLine xmlns="" xmlns:a14="http://schemas.microsoft.com/office/drawing/2010/main" w="9525">
+                  <a14:hiddenLine xmlns:a14="http://schemas.microsoft.com/office/drawing/2010/main" xmlns="" w="9525">
                     <a:solidFill>
                       <a:srgbClr val="000000"/>
                     </a:solidFill>
@@ -11205,7 +11205,7 @@
               </a:ln>
               <a:extLst>
                 <a:ext uri="{91240B29-F687-4f45-9708-019B960494DF}">
-                  <a14:hiddenLine xmlns="" xmlns:a14="http://schemas.microsoft.com/office/drawing/2010/main" w="9525">
+                  <a14:hiddenLine xmlns:a14="http://schemas.microsoft.com/office/drawing/2010/main" xmlns="" w="9525">
                     <a:solidFill>
                       <a:srgbClr val="000000"/>
                     </a:solidFill>
@@ -11295,7 +11295,7 @@
               </a:ln>
               <a:extLst>
                 <a:ext uri="{91240B29-F687-4f45-9708-019B960494DF}">
-                  <a14:hiddenLine xmlns="" xmlns:a14="http://schemas.microsoft.com/office/drawing/2010/main" w="9525">
+                  <a14:hiddenLine xmlns:a14="http://schemas.microsoft.com/office/drawing/2010/main" xmlns="" w="9525">
                     <a:solidFill>
                       <a:srgbClr val="000000"/>
                     </a:solidFill>
@@ -11360,7 +11360,7 @@
               </a:ln>
               <a:extLst>
                 <a:ext uri="{91240B29-F687-4f45-9708-019B960494DF}">
-                  <a14:hiddenLine xmlns="" xmlns:a14="http://schemas.microsoft.com/office/drawing/2010/main" w="9525">
+                  <a14:hiddenLine xmlns:a14="http://schemas.microsoft.com/office/drawing/2010/main" xmlns="" w="9525">
                     <a:solidFill>
                       <a:srgbClr val="000000"/>
                     </a:solidFill>
@@ -11450,7 +11450,7 @@
               </a:ln>
               <a:extLst>
                 <a:ext uri="{91240B29-F687-4f45-9708-019B960494DF}">
-                  <a14:hiddenLine xmlns="" xmlns:a14="http://schemas.microsoft.com/office/drawing/2010/main" w="9525">
+                  <a14:hiddenLine xmlns:a14="http://schemas.microsoft.com/office/drawing/2010/main" xmlns="" w="9525">
                     <a:solidFill>
                       <a:srgbClr val="000000"/>
                     </a:solidFill>
@@ -11518,7 +11518,7 @@
               </a:ln>
               <a:extLst>
                 <a:ext uri="{91240B29-F687-4f45-9708-019B960494DF}">
-                  <a14:hiddenLine xmlns="" xmlns:a14="http://schemas.microsoft.com/office/drawing/2010/main" w="9525">
+                  <a14:hiddenLine xmlns:a14="http://schemas.microsoft.com/office/drawing/2010/main" xmlns="" w="9525">
                     <a:solidFill>
                       <a:srgbClr val="000000"/>
                     </a:solidFill>
@@ -11608,7 +11608,7 @@
               </a:ln>
               <a:extLst>
                 <a:ext uri="{91240B29-F687-4f45-9708-019B960494DF}">
-                  <a14:hiddenLine xmlns="" xmlns:a14="http://schemas.microsoft.com/office/drawing/2010/main" w="9525">
+                  <a14:hiddenLine xmlns:a14="http://schemas.microsoft.com/office/drawing/2010/main" xmlns="" w="9525">
                     <a:solidFill>
                       <a:srgbClr val="000000"/>
                     </a:solidFill>
@@ -11676,7 +11676,7 @@
               </a:ln>
               <a:extLst>
                 <a:ext uri="{91240B29-F687-4f45-9708-019B960494DF}">
-                  <a14:hiddenLine xmlns="" xmlns:a14="http://schemas.microsoft.com/office/drawing/2010/main" w="9525">
+                  <a14:hiddenLine xmlns:a14="http://schemas.microsoft.com/office/drawing/2010/main" xmlns="" w="9525">
                     <a:solidFill>
                       <a:srgbClr val="000000"/>
                     </a:solidFill>
@@ -11766,7 +11766,7 @@
               </a:ln>
               <a:extLst>
                 <a:ext uri="{91240B29-F687-4f45-9708-019B960494DF}">
-                  <a14:hiddenLine xmlns="" xmlns:a14="http://schemas.microsoft.com/office/drawing/2010/main" w="9525">
+                  <a14:hiddenLine xmlns:a14="http://schemas.microsoft.com/office/drawing/2010/main" xmlns="" w="9525">
                     <a:solidFill>
                       <a:srgbClr val="000000"/>
                     </a:solidFill>
@@ -11800,7 +11800,7 @@
               </a:ln>
               <a:extLst>
                 <a:ext uri="{91240B29-F687-4f45-9708-019B960494DF}">
-                  <a14:hiddenLine xmlns="" xmlns:a14="http://schemas.microsoft.com/office/drawing/2010/main" w="9525">
+                  <a14:hiddenLine xmlns:a14="http://schemas.microsoft.com/office/drawing/2010/main" xmlns="" w="9525">
                     <a:solidFill>
                       <a:srgbClr val="000000"/>
                     </a:solidFill>
